--- a/Video Ver1/Video PPT/7. Candidate and Primary key.pptx
+++ b/Video Ver1/Video PPT/7. Candidate and Primary key.pptx
@@ -5,12 +5,13 @@
     <p:sldMasterId id="2147483648" r:id="rId1"/>
   </p:sldMasterIdLst>
   <p:notesMasterIdLst>
-    <p:notesMasterId r:id="rId5"/>
+    <p:notesMasterId r:id="rId6"/>
   </p:notesMasterIdLst>
   <p:sldIdLst>
     <p:sldId id="1204" r:id="rId2"/>
-    <p:sldId id="1205" r:id="rId3"/>
-    <p:sldId id="1206" r:id="rId4"/>
+    <p:sldId id="1207" r:id="rId3"/>
+    <p:sldId id="1205" r:id="rId4"/>
+    <p:sldId id="1206" r:id="rId5"/>
   </p:sldIdLst>
   <p:sldSz cx="12190413" cy="6858000"/>
   <p:notesSz cx="6858000" cy="9144000"/>
@@ -864,7 +865,7 @@
             <a:fld id="{4DF51050-3720-483B-B552-57DC1341D582}" type="datetimeFigureOut">
               <a:rPr lang="en-US" smtClean="0"/>
               <a:pPr/>
-              <a:t>6/4/2020</a:t>
+              <a:t>6/6/2020</a:t>
             </a:fld>
             <a:endParaRPr lang="en-US"/>
           </a:p>
@@ -1323,7 +1324,7 @@
             <a:fld id="{EEE556E8-492E-4E8F-8E7F-7A7787724D01}" type="datetimeFigureOut">
               <a:rPr lang="en-US" smtClean="0"/>
               <a:pPr/>
-              <a:t>6/4/2020</a:t>
+              <a:t>6/6/2020</a:t>
             </a:fld>
             <a:endParaRPr lang="en-US"/>
           </a:p>
@@ -1528,7 +1529,7 @@
             <a:fld id="{EEE556E8-492E-4E8F-8E7F-7A7787724D01}" type="datetimeFigureOut">
               <a:rPr lang="en-US" smtClean="0"/>
               <a:pPr/>
-              <a:t>6/4/2020</a:t>
+              <a:t>6/6/2020</a:t>
             </a:fld>
             <a:endParaRPr lang="en-US"/>
           </a:p>
@@ -1733,7 +1734,7 @@
             <a:fld id="{EEE556E8-492E-4E8F-8E7F-7A7787724D01}" type="datetimeFigureOut">
               <a:rPr lang="en-US" smtClean="0"/>
               <a:pPr/>
-              <a:t>6/4/2020</a:t>
+              <a:t>6/6/2020</a:t>
             </a:fld>
             <a:endParaRPr lang="en-US"/>
           </a:p>
@@ -1938,7 +1939,7 @@
             <a:fld id="{EEE556E8-492E-4E8F-8E7F-7A7787724D01}" type="datetimeFigureOut">
               <a:rPr lang="en-US" smtClean="0"/>
               <a:pPr/>
-              <a:t>6/4/2020</a:t>
+              <a:t>6/6/2020</a:t>
             </a:fld>
             <a:endParaRPr lang="en-US"/>
           </a:p>
@@ -2210,7 +2211,7 @@
             <a:fld id="{EEE556E8-492E-4E8F-8E7F-7A7787724D01}" type="datetimeFigureOut">
               <a:rPr lang="en-US" smtClean="0"/>
               <a:pPr/>
-              <a:t>6/4/2020</a:t>
+              <a:t>6/6/2020</a:t>
             </a:fld>
             <a:endParaRPr lang="en-US"/>
           </a:p>
@@ -2530,7 +2531,7 @@
             <a:fld id="{EEE556E8-492E-4E8F-8E7F-7A7787724D01}" type="datetimeFigureOut">
               <a:rPr lang="en-US" smtClean="0"/>
               <a:pPr/>
-              <a:t>6/4/2020</a:t>
+              <a:t>6/6/2020</a:t>
             </a:fld>
             <a:endParaRPr lang="en-US"/>
           </a:p>
@@ -2990,7 +2991,7 @@
             <a:fld id="{EEE556E8-492E-4E8F-8E7F-7A7787724D01}" type="datetimeFigureOut">
               <a:rPr lang="en-US" smtClean="0"/>
               <a:pPr/>
-              <a:t>6/4/2020</a:t>
+              <a:t>6/6/2020</a:t>
             </a:fld>
             <a:endParaRPr lang="en-US"/>
           </a:p>
@@ -3136,7 +3137,7 @@
             <a:fld id="{EEE556E8-492E-4E8F-8E7F-7A7787724D01}" type="datetimeFigureOut">
               <a:rPr lang="en-US" smtClean="0"/>
               <a:pPr/>
-              <a:t>6/4/2020</a:t>
+              <a:t>6/6/2020</a:t>
             </a:fld>
             <a:endParaRPr lang="en-US"/>
           </a:p>
@@ -3466,7 +3467,7 @@
             <a:fld id="{EEE556E8-492E-4E8F-8E7F-7A7787724D01}" type="datetimeFigureOut">
               <a:rPr lang="en-US" smtClean="0"/>
               <a:pPr/>
-              <a:t>6/4/2020</a:t>
+              <a:t>6/6/2020</a:t>
             </a:fld>
             <a:endParaRPr lang="en-US"/>
           </a:p>
@@ -3748,7 +3749,7 @@
             <a:fld id="{EEE556E8-492E-4E8F-8E7F-7A7787724D01}" type="datetimeFigureOut">
               <a:rPr lang="en-US" smtClean="0"/>
               <a:pPr/>
-              <a:t>6/4/2020</a:t>
+              <a:t>6/6/2020</a:t>
             </a:fld>
             <a:endParaRPr lang="en-US"/>
           </a:p>
@@ -4339,7 +4340,7 @@
         </p:nvSpPr>
         <p:spPr>
           <a:xfrm>
-            <a:off x="1676182" y="2442592"/>
+            <a:off x="1676182" y="836712"/>
             <a:ext cx="8838049" cy="914400"/>
           </a:xfrm>
           <a:prstGeom prst="rect">
@@ -4363,7 +4364,7 @@
                 <a:latin typeface="Segoe UI Light" panose="020B0502040204020203" pitchFamily="34" charset="0"/>
                 <a:cs typeface="Segoe UI Light" panose="020B0502040204020203" pitchFamily="34" charset="0"/>
               </a:rPr>
-              <a:t>Candidate and Primary key</a:t>
+              <a:t>Candidate key and Primary key</a:t>
             </a:r>
             <a:endParaRPr lang="en-IN" sz="4800" dirty="0">
               <a:latin typeface="Segoe UI Light" panose="020B0502040204020203" pitchFamily="34" charset="0"/>
@@ -4372,49 +4373,452 @@
           </a:p>
         </p:txBody>
       </p:sp>
+      <p:graphicFrame>
+        <p:nvGraphicFramePr>
+          <p:cNvPr id="13" name="Table 12"/>
+          <p:cNvGraphicFramePr>
+            <a:graphicFrameLocks noGrp="1"/>
+          </p:cNvGraphicFramePr>
+          <p:nvPr/>
+        </p:nvGraphicFramePr>
+        <p:xfrm>
+          <a:off x="622598" y="2521704"/>
+          <a:ext cx="8126944" cy="1483360"/>
+        </p:xfrm>
+        <a:graphic>
+          <a:graphicData uri="http://schemas.openxmlformats.org/drawingml/2006/table">
+            <a:tbl>
+              <a:tblPr firstRow="1" bandRow="1">
+                <a:tableStyleId>{5940675A-B579-460E-94D1-54222C63F5DA}</a:tableStyleId>
+              </a:tblPr>
+              <a:tblGrid>
+                <a:gridCol w="2031736"/>
+                <a:gridCol w="2031736"/>
+                <a:gridCol w="2031736"/>
+                <a:gridCol w="2031736"/>
+              </a:tblGrid>
+              <a:tr h="370840">
+                <a:tc>
+                  <a:txBody>
+                    <a:bodyPr/>
+                    <a:lstStyle/>
+                    <a:p>
+                      <a:pPr algn="ctr"/>
+                      <a:r>
+                        <a:rPr lang="en-US" sz="1800" b="1" dirty="0" smtClean="0">
+                          <a:latin typeface="Palatino Linotype" pitchFamily="18" charset="0"/>
+                        </a:rPr>
+                        <a:t>firstName</a:t>
+                      </a:r>
+                      <a:endParaRPr lang="en-US" b="1" dirty="0">
+                        <a:latin typeface="Palatino Linotype" pitchFamily="18" charset="0"/>
+                      </a:endParaRPr>
+                    </a:p>
+                  </a:txBody>
+                  <a:tcPr anchor="ctr">
+                    <a:solidFill>
+                      <a:schemeClr val="accent6">
+                        <a:lumMod val="20000"/>
+                        <a:lumOff val="80000"/>
+                      </a:schemeClr>
+                    </a:solidFill>
+                  </a:tcPr>
+                </a:tc>
+                <a:tc>
+                  <a:txBody>
+                    <a:bodyPr/>
+                    <a:lstStyle/>
+                    <a:p>
+                      <a:pPr algn="ctr"/>
+                      <a:r>
+                        <a:rPr lang="en-US" sz="1800" b="1" dirty="0" smtClean="0">
+                          <a:latin typeface="Palatino Linotype" pitchFamily="18" charset="0"/>
+                        </a:rPr>
+                        <a:t>lastName</a:t>
+                      </a:r>
+                      <a:endParaRPr lang="en-US" b="1" dirty="0">
+                        <a:latin typeface="Palatino Linotype" pitchFamily="18" charset="0"/>
+                      </a:endParaRPr>
+                    </a:p>
+                  </a:txBody>
+                  <a:tcPr anchor="ctr">
+                    <a:solidFill>
+                      <a:schemeClr val="accent6">
+                        <a:lumMod val="20000"/>
+                        <a:lumOff val="80000"/>
+                      </a:schemeClr>
+                    </a:solidFill>
+                  </a:tcPr>
+                </a:tc>
+                <a:tc>
+                  <a:txBody>
+                    <a:bodyPr/>
+                    <a:lstStyle/>
+                    <a:p>
+                      <a:pPr algn="ctr"/>
+                      <a:r>
+                        <a:rPr lang="en-US" sz="1800" b="1" dirty="0" smtClean="0">
+                          <a:latin typeface="Palatino Linotype" pitchFamily="18" charset="0"/>
+                        </a:rPr>
+                        <a:t>DoB</a:t>
+                      </a:r>
+                      <a:endParaRPr lang="en-US" b="1" dirty="0">
+                        <a:latin typeface="Palatino Linotype" pitchFamily="18" charset="0"/>
+                      </a:endParaRPr>
+                    </a:p>
+                  </a:txBody>
+                  <a:tcPr anchor="ctr">
+                    <a:solidFill>
+                      <a:schemeClr val="accent6">
+                        <a:lumMod val="20000"/>
+                        <a:lumOff val="80000"/>
+                      </a:schemeClr>
+                    </a:solidFill>
+                  </a:tcPr>
+                </a:tc>
+                <a:tc>
+                  <a:txBody>
+                    <a:bodyPr/>
+                    <a:lstStyle/>
+                    <a:p>
+                      <a:pPr algn="ctr"/>
+                      <a:r>
+                        <a:rPr lang="en-US" b="1" dirty="0" smtClean="0">
+                          <a:latin typeface="Palatino Linotype" pitchFamily="18" charset="0"/>
+                        </a:rPr>
+                        <a:t>city</a:t>
+                      </a:r>
+                      <a:endParaRPr lang="en-US" b="1" dirty="0">
+                        <a:latin typeface="Palatino Linotype" pitchFamily="18" charset="0"/>
+                      </a:endParaRPr>
+                    </a:p>
+                  </a:txBody>
+                  <a:tcPr anchor="ctr">
+                    <a:solidFill>
+                      <a:schemeClr val="accent6">
+                        <a:lumMod val="20000"/>
+                        <a:lumOff val="80000"/>
+                      </a:schemeClr>
+                    </a:solidFill>
+                  </a:tcPr>
+                </a:tc>
+              </a:tr>
+              <a:tr h="370840">
+                <a:tc>
+                  <a:txBody>
+                    <a:bodyPr/>
+                    <a:lstStyle/>
+                    <a:p>
+                      <a:r>
+                        <a:rPr lang="en-US" dirty="0" smtClean="0">
+                          <a:latin typeface="Palatino Linotype" pitchFamily="18" charset="0"/>
+                        </a:rPr>
+                        <a:t>rajesh</a:t>
+                      </a:r>
+                      <a:endParaRPr lang="en-US" dirty="0">
+                        <a:latin typeface="Palatino Linotype" pitchFamily="18" charset="0"/>
+                      </a:endParaRPr>
+                    </a:p>
+                  </a:txBody>
+                  <a:tcPr anchor="ctr">
+                    <a:solidFill>
+                      <a:schemeClr val="accent3">
+                        <a:lumMod val="20000"/>
+                        <a:lumOff val="80000"/>
+                      </a:schemeClr>
+                    </a:solidFill>
+                  </a:tcPr>
+                </a:tc>
+                <a:tc>
+                  <a:txBody>
+                    <a:bodyPr/>
+                    <a:lstStyle/>
+                    <a:p>
+                      <a:r>
+                        <a:rPr lang="en-US" dirty="0" smtClean="0">
+                          <a:latin typeface="Palatino Linotype" pitchFamily="18" charset="0"/>
+                        </a:rPr>
+                        <a:t>kumar</a:t>
+                      </a:r>
+                      <a:endParaRPr lang="en-US" dirty="0">
+                        <a:latin typeface="Palatino Linotype" pitchFamily="18" charset="0"/>
+                      </a:endParaRPr>
+                    </a:p>
+                  </a:txBody>
+                  <a:tcPr anchor="ctr">
+                    <a:solidFill>
+                      <a:schemeClr val="accent3">
+                        <a:lumMod val="20000"/>
+                        <a:lumOff val="80000"/>
+                      </a:schemeClr>
+                    </a:solidFill>
+                  </a:tcPr>
+                </a:tc>
+                <a:tc>
+                  <a:txBody>
+                    <a:bodyPr/>
+                    <a:lstStyle/>
+                    <a:p>
+                      <a:pPr algn="ctr"/>
+                      <a:r>
+                        <a:rPr lang="en-US" dirty="0" smtClean="0">
+                          <a:latin typeface="Palatino Linotype" pitchFamily="18" charset="0"/>
+                        </a:rPr>
+                        <a:t>1999-03-20</a:t>
+                      </a:r>
+                      <a:endParaRPr lang="en-US" dirty="0">
+                        <a:latin typeface="Palatino Linotype" pitchFamily="18" charset="0"/>
+                      </a:endParaRPr>
+                    </a:p>
+                  </a:txBody>
+                  <a:tcPr anchor="ctr">
+                    <a:solidFill>
+                      <a:schemeClr val="accent3">
+                        <a:lumMod val="20000"/>
+                        <a:lumOff val="80000"/>
+                      </a:schemeClr>
+                    </a:solidFill>
+                  </a:tcPr>
+                </a:tc>
+                <a:tc>
+                  <a:txBody>
+                    <a:bodyPr/>
+                    <a:lstStyle/>
+                    <a:p>
+                      <a:r>
+                        <a:rPr lang="en-US" dirty="0" smtClean="0">
+                          <a:latin typeface="Palatino Linotype" pitchFamily="18" charset="0"/>
+                        </a:rPr>
+                        <a:t>pune</a:t>
+                      </a:r>
+                      <a:endParaRPr lang="en-US" dirty="0">
+                        <a:latin typeface="Palatino Linotype" pitchFamily="18" charset="0"/>
+                      </a:endParaRPr>
+                    </a:p>
+                  </a:txBody>
+                  <a:tcPr anchor="ctr">
+                    <a:solidFill>
+                      <a:schemeClr val="accent3">
+                        <a:lumMod val="20000"/>
+                        <a:lumOff val="80000"/>
+                      </a:schemeClr>
+                    </a:solidFill>
+                  </a:tcPr>
+                </a:tc>
+              </a:tr>
+              <a:tr h="370840">
+                <a:tc>
+                  <a:txBody>
+                    <a:bodyPr/>
+                    <a:lstStyle/>
+                    <a:p>
+                      <a:r>
+                        <a:rPr lang="en-US" dirty="0" smtClean="0">
+                          <a:latin typeface="Palatino Linotype" pitchFamily="18" charset="0"/>
+                        </a:rPr>
+                        <a:t>sunil</a:t>
+                      </a:r>
+                      <a:endParaRPr lang="en-US" dirty="0">
+                        <a:latin typeface="Palatino Linotype" pitchFamily="18" charset="0"/>
+                      </a:endParaRPr>
+                    </a:p>
+                  </a:txBody>
+                  <a:tcPr anchor="ctr"/>
+                </a:tc>
+                <a:tc>
+                  <a:txBody>
+                    <a:bodyPr/>
+                    <a:lstStyle/>
+                    <a:p>
+                      <a:r>
+                        <a:rPr lang="en-US" dirty="0" smtClean="0">
+                          <a:latin typeface="Palatino Linotype" pitchFamily="18" charset="0"/>
+                        </a:rPr>
+                        <a:t>kumar</a:t>
+                      </a:r>
+                      <a:endParaRPr lang="en-US" dirty="0">
+                        <a:latin typeface="Palatino Linotype" pitchFamily="18" charset="0"/>
+                      </a:endParaRPr>
+                    </a:p>
+                  </a:txBody>
+                  <a:tcPr anchor="ctr"/>
+                </a:tc>
+                <a:tc>
+                  <a:txBody>
+                    <a:bodyPr/>
+                    <a:lstStyle/>
+                    <a:p>
+                      <a:pPr algn="ctr"/>
+                      <a:r>
+                        <a:rPr lang="en-US" dirty="0" smtClean="0">
+                          <a:latin typeface="Palatino Linotype" pitchFamily="18" charset="0"/>
+                        </a:rPr>
+                        <a:t>2000-12-24</a:t>
+                      </a:r>
+                      <a:endParaRPr lang="en-US" dirty="0">
+                        <a:latin typeface="Palatino Linotype" pitchFamily="18" charset="0"/>
+                      </a:endParaRPr>
+                    </a:p>
+                  </a:txBody>
+                  <a:tcPr anchor="ctr"/>
+                </a:tc>
+                <a:tc>
+                  <a:txBody>
+                    <a:bodyPr/>
+                    <a:lstStyle/>
+                    <a:p>
+                      <a:r>
+                        <a:rPr lang="en-US" dirty="0" smtClean="0">
+                          <a:latin typeface="Palatino Linotype" pitchFamily="18" charset="0"/>
+                        </a:rPr>
+                        <a:t>baroda</a:t>
+                      </a:r>
+                      <a:endParaRPr lang="en-US" dirty="0">
+                        <a:latin typeface="Palatino Linotype" pitchFamily="18" charset="0"/>
+                      </a:endParaRPr>
+                    </a:p>
+                  </a:txBody>
+                  <a:tcPr anchor="ctr"/>
+                </a:tc>
+              </a:tr>
+              <a:tr h="370840">
+                <a:tc>
+                  <a:txBody>
+                    <a:bodyPr/>
+                    <a:lstStyle/>
+                    <a:p>
+                      <a:r>
+                        <a:rPr lang="en-US" dirty="0" smtClean="0">
+                          <a:latin typeface="Palatino Linotype" pitchFamily="18" charset="0"/>
+                        </a:rPr>
+                        <a:t>rajesh</a:t>
+                      </a:r>
+                      <a:endParaRPr lang="en-US" dirty="0">
+                        <a:latin typeface="Palatino Linotype" pitchFamily="18" charset="0"/>
+                      </a:endParaRPr>
+                    </a:p>
+                  </a:txBody>
+                  <a:tcPr anchor="ctr">
+                    <a:solidFill>
+                      <a:schemeClr val="accent3">
+                        <a:lumMod val="20000"/>
+                        <a:lumOff val="80000"/>
+                      </a:schemeClr>
+                    </a:solidFill>
+                  </a:tcPr>
+                </a:tc>
+                <a:tc>
+                  <a:txBody>
+                    <a:bodyPr/>
+                    <a:lstStyle/>
+                    <a:p>
+                      <a:r>
+                        <a:rPr lang="en-US" dirty="0" smtClean="0">
+                          <a:latin typeface="Palatino Linotype" pitchFamily="18" charset="0"/>
+                        </a:rPr>
+                        <a:t>kumar</a:t>
+                      </a:r>
+                      <a:endParaRPr lang="en-US" dirty="0">
+                        <a:latin typeface="Palatino Linotype" pitchFamily="18" charset="0"/>
+                      </a:endParaRPr>
+                    </a:p>
+                  </a:txBody>
+                  <a:tcPr anchor="ctr">
+                    <a:solidFill>
+                      <a:schemeClr val="accent3">
+                        <a:lumMod val="20000"/>
+                        <a:lumOff val="80000"/>
+                      </a:schemeClr>
+                    </a:solidFill>
+                  </a:tcPr>
+                </a:tc>
+                <a:tc>
+                  <a:txBody>
+                    <a:bodyPr/>
+                    <a:lstStyle/>
+                    <a:p>
+                      <a:pPr algn="ctr"/>
+                      <a:r>
+                        <a:rPr lang="en-US" dirty="0" smtClean="0">
+                          <a:latin typeface="Palatino Linotype" pitchFamily="18" charset="0"/>
+                        </a:rPr>
+                        <a:t>1999-03-20</a:t>
+                      </a:r>
+                      <a:endParaRPr lang="en-US" dirty="0">
+                        <a:latin typeface="Palatino Linotype" pitchFamily="18" charset="0"/>
+                      </a:endParaRPr>
+                    </a:p>
+                  </a:txBody>
+                  <a:tcPr anchor="ctr">
+                    <a:solidFill>
+                      <a:schemeClr val="accent3">
+                        <a:lumMod val="20000"/>
+                        <a:lumOff val="80000"/>
+                      </a:schemeClr>
+                    </a:solidFill>
+                  </a:tcPr>
+                </a:tc>
+                <a:tc>
+                  <a:txBody>
+                    <a:bodyPr/>
+                    <a:lstStyle/>
+                    <a:p>
+                      <a:r>
+                        <a:rPr lang="en-US" dirty="0" smtClean="0">
+                          <a:latin typeface="Palatino Linotype" pitchFamily="18" charset="0"/>
+                        </a:rPr>
+                        <a:t>pune</a:t>
+                      </a:r>
+                      <a:endParaRPr lang="en-US" dirty="0">
+                        <a:latin typeface="Palatino Linotype" pitchFamily="18" charset="0"/>
+                      </a:endParaRPr>
+                    </a:p>
+                  </a:txBody>
+                  <a:tcPr anchor="ctr">
+                    <a:solidFill>
+                      <a:schemeClr val="accent3">
+                        <a:lumMod val="20000"/>
+                        <a:lumOff val="80000"/>
+                      </a:schemeClr>
+                    </a:solidFill>
+                  </a:tcPr>
+                </a:tc>
+              </a:tr>
+            </a:tbl>
+          </a:graphicData>
+        </a:graphic>
+      </p:graphicFrame>
       <p:sp>
         <p:nvSpPr>
-          <p:cNvPr id="6" name="Rectangle 5"/>
+          <p:cNvPr id="11" name="Rectangle 10"/>
           <p:cNvSpPr/>
           <p:nvPr/>
         </p:nvSpPr>
         <p:spPr>
           <a:xfrm>
-            <a:off x="622598" y="3789040"/>
-            <a:ext cx="11089232" cy="1477328"/>
+            <a:off x="622598" y="1979548"/>
+            <a:ext cx="1563248" cy="369332"/>
           </a:xfrm>
           <a:prstGeom prst="rect">
             <a:avLst/>
           </a:prstGeom>
         </p:spPr>
         <p:txBody>
-          <a:bodyPr wrap="square">
+          <a:bodyPr wrap="none">
             <a:spAutoFit/>
           </a:bodyPr>
           <a:lstStyle/>
           <a:p>
             <a:r>
-              <a:rPr lang="en-US" b="1" dirty="0" smtClean="0"/>
-              <a:t>Candidate Key</a:t>
-            </a:r>
-            <a:r>
-              <a:rPr lang="en-US" dirty="0" smtClean="0"/>
-              <a:t> – A Candidate Key can be any column or a combination of columns that can qualify as unique key in database. There can be multiple Candidate Keys in one table. Each Candidate Key can qualify as Primary Key.</a:t>
-            </a:r>
-          </a:p>
-          <a:p>
-            <a:endParaRPr lang="en-US" dirty="0" smtClean="0"/>
-          </a:p>
-          <a:p>
-            <a:r>
-              <a:rPr lang="en-US" b="1" dirty="0" smtClean="0"/>
-              <a:t>Primary Key</a:t>
-            </a:r>
-            <a:r>
-              <a:rPr lang="en-US" dirty="0" smtClean="0"/>
-              <a:t> – A Primary Key is a column or a combination of columns that uniquely identify a record. Only one Candidate Key can be Primary Key.</a:t>
-            </a:r>
-            <a:endParaRPr lang="en-US" dirty="0"/>
+              <a:rPr lang="en-US" b="1" dirty="0" smtClean="0">
+                <a:latin typeface="Palatino Linotype" pitchFamily="18" charset="0"/>
+                <a:cs typeface="Segoe UI Light" panose="020B0502040204020203" pitchFamily="34" charset="0"/>
+              </a:rPr>
+              <a:t>student table</a:t>
+            </a:r>
+            <a:endParaRPr lang="en-US" b="1" dirty="0">
+              <a:latin typeface="Palatino Linotype" pitchFamily="18" charset="0"/>
+            </a:endParaRPr>
           </a:p>
         </p:txBody>
       </p:sp>
@@ -4455,362 +4859,12 @@
           <a:chExt cx="0" cy="0"/>
         </a:xfrm>
       </p:grpSpPr>
-      <p:sp>
-        <p:nvSpPr>
-          <p:cNvPr id="58370" name="AutoShape 2" descr="One-to-one entity relationship diagram"/>
-          <p:cNvSpPr>
-            <a:spLocks noChangeAspect="1" noChangeArrowheads="1"/>
-          </p:cNvSpPr>
-          <p:nvPr/>
-        </p:nvSpPr>
-        <p:spPr bwMode="auto">
-          <a:xfrm>
-            <a:off x="1679356" y="-144463"/>
-            <a:ext cx="304760" cy="304801"/>
-          </a:xfrm>
-          <a:prstGeom prst="rect">
-            <a:avLst/>
-          </a:prstGeom>
-          <a:noFill/>
-        </p:spPr>
-        <p:txBody>
-          <a:bodyPr vert="horz" wrap="square" lIns="91440" tIns="45720" rIns="91440" bIns="45720" numCol="1" anchor="t" anchorCtr="0" compatLnSpc="1">
-            <a:prstTxWarp prst="textNoShape">
-              <a:avLst/>
-            </a:prstTxWarp>
-          </a:bodyPr>
-          <a:lstStyle/>
-          <a:p>
-            <a:endParaRPr lang="en-US" dirty="0">
-              <a:latin typeface="Arial" pitchFamily="34" charset="0"/>
-              <a:cs typeface="Arial" pitchFamily="34" charset="0"/>
-            </a:endParaRPr>
-          </a:p>
-        </p:txBody>
-      </p:sp>
-      <p:sp>
-        <p:nvSpPr>
-          <p:cNvPr id="58372" name="AutoShape 4" descr="One-to-one entity relationship diagram"/>
-          <p:cNvSpPr>
-            <a:spLocks noChangeAspect="1" noChangeArrowheads="1"/>
-          </p:cNvSpPr>
-          <p:nvPr/>
-        </p:nvSpPr>
-        <p:spPr bwMode="auto">
-          <a:xfrm>
-            <a:off x="1679356" y="-144463"/>
-            <a:ext cx="304760" cy="304801"/>
-          </a:xfrm>
-          <a:prstGeom prst="rect">
-            <a:avLst/>
-          </a:prstGeom>
-          <a:noFill/>
-        </p:spPr>
-        <p:txBody>
-          <a:bodyPr vert="horz" wrap="square" lIns="91440" tIns="45720" rIns="91440" bIns="45720" numCol="1" anchor="t" anchorCtr="0" compatLnSpc="1">
-            <a:prstTxWarp prst="textNoShape">
-              <a:avLst/>
-            </a:prstTxWarp>
-          </a:bodyPr>
-          <a:lstStyle/>
-          <a:p>
-            <a:endParaRPr lang="en-US" dirty="0">
-              <a:latin typeface="Arial" pitchFamily="34" charset="0"/>
-              <a:cs typeface="Arial" pitchFamily="34" charset="0"/>
-            </a:endParaRPr>
-          </a:p>
-        </p:txBody>
-      </p:sp>
-      <p:sp>
-        <p:nvSpPr>
-          <p:cNvPr id="6" name="Rectangle 5"/>
-          <p:cNvSpPr/>
-          <p:nvPr/>
-        </p:nvSpPr>
-        <p:spPr>
-          <a:xfrm>
-            <a:off x="406574" y="2117755"/>
-            <a:ext cx="11305256" cy="3139321"/>
-          </a:xfrm>
-          <a:prstGeom prst="rect">
-            <a:avLst/>
-          </a:prstGeom>
-        </p:spPr>
-        <p:txBody>
-          <a:bodyPr wrap="square">
-            <a:spAutoFit/>
-          </a:bodyPr>
-          <a:lstStyle/>
-          <a:p>
-            <a:pPr marL="342900" indent="-342900">
-              <a:buFont typeface="Arial" pitchFamily="34" charset="0"/>
-              <a:buChar char="•"/>
-            </a:pPr>
-            <a:r>
-              <a:rPr lang="en-US" b="1" dirty="0" smtClean="0">
-                <a:solidFill>
-                  <a:schemeClr val="tx1">
-                    <a:lumMod val="85000"/>
-                    <a:lumOff val="15000"/>
-                  </a:schemeClr>
-                </a:solidFill>
-                <a:latin typeface="Palatino Linotype" pitchFamily="18" charset="0"/>
-              </a:rPr>
-              <a:t>Candidate </a:t>
-            </a:r>
-            <a:r>
-              <a:rPr lang="en-US" b="1" dirty="0">
-                <a:solidFill>
-                  <a:schemeClr val="tx1">
-                    <a:lumMod val="85000"/>
-                    <a:lumOff val="15000"/>
-                  </a:schemeClr>
-                </a:solidFill>
-                <a:latin typeface="Palatino Linotype" pitchFamily="18" charset="0"/>
-              </a:rPr>
-              <a:t>Key</a:t>
-            </a:r>
-            <a:r>
-              <a:rPr lang="en-US" dirty="0">
-                <a:solidFill>
-                  <a:schemeClr val="tx1">
-                    <a:lumMod val="85000"/>
-                    <a:lumOff val="15000"/>
-                  </a:schemeClr>
-                </a:solidFill>
-                <a:latin typeface="Palatino Linotype" pitchFamily="18" charset="0"/>
-              </a:rPr>
-              <a:t>: </a:t>
-            </a:r>
-            <a:r>
-              <a:rPr lang="en-US" dirty="0" smtClean="0">
-                <a:latin typeface="Palatino Linotype" pitchFamily="18" charset="0"/>
-              </a:rPr>
-              <a:t>A candidate key is a set of attributes (or attribute) which uniquely identify the tuples in relation or table. </a:t>
-            </a:r>
-          </a:p>
-          <a:p>
-            <a:pPr marL="342900" indent="-342900">
-              <a:buFont typeface="Arial" pitchFamily="34" charset="0"/>
-              <a:buChar char="•"/>
-            </a:pPr>
-            <a:endParaRPr lang="en-US" dirty="0" smtClean="0">
-              <a:solidFill>
-                <a:schemeClr val="tx1">
-                  <a:lumMod val="85000"/>
-                  <a:lumOff val="15000"/>
-                </a:schemeClr>
-              </a:solidFill>
-              <a:latin typeface="Palatino Linotype" pitchFamily="18" charset="0"/>
-            </a:endParaRPr>
-          </a:p>
-          <a:p>
-            <a:pPr marL="342900" indent="17463"/>
-            <a:r>
-              <a:rPr lang="en-US" dirty="0" smtClean="0">
-                <a:solidFill>
-                  <a:schemeClr val="tx1">
-                    <a:lumMod val="85000"/>
-                    <a:lumOff val="15000"/>
-                  </a:schemeClr>
-                </a:solidFill>
-                <a:latin typeface="Palatino Linotype" pitchFamily="18" charset="0"/>
-              </a:rPr>
-              <a:t>Here in Employee table ID </a:t>
-            </a:r>
-            <a:r>
-              <a:rPr lang="en-US" dirty="0" smtClean="0">
-                <a:latin typeface="Palatino Linotype" pitchFamily="18" charset="0"/>
-              </a:rPr>
-              <a:t>&amp; emailID </a:t>
-            </a:r>
-            <a:r>
-              <a:rPr lang="en-US" dirty="0" smtClean="0">
-                <a:solidFill>
-                  <a:schemeClr val="tx1">
-                    <a:lumMod val="85000"/>
-                    <a:lumOff val="15000"/>
-                  </a:schemeClr>
-                </a:solidFill>
-                <a:latin typeface="Palatino Linotype" pitchFamily="18" charset="0"/>
-              </a:rPr>
-              <a:t>are Candidate keys.</a:t>
-            </a:r>
-            <a:endParaRPr lang="en-US" dirty="0" smtClean="0">
-              <a:latin typeface="Palatino Linotype" pitchFamily="18" charset="0"/>
-            </a:endParaRPr>
-          </a:p>
-          <a:p>
-            <a:pPr marL="342900" indent="-342900"/>
-            <a:endParaRPr lang="en-US" dirty="0" smtClean="0">
-              <a:solidFill>
-                <a:schemeClr val="tx1">
-                  <a:lumMod val="85000"/>
-                  <a:lumOff val="15000"/>
-                </a:schemeClr>
-              </a:solidFill>
-              <a:latin typeface="Palatino Linotype" pitchFamily="18" charset="0"/>
-            </a:endParaRPr>
-          </a:p>
-          <a:p>
-            <a:pPr marL="342900" indent="-342900"/>
-            <a:endParaRPr lang="en-US" dirty="0" smtClean="0">
-              <a:solidFill>
-                <a:schemeClr val="tx1">
-                  <a:lumMod val="85000"/>
-                  <a:lumOff val="15000"/>
-                </a:schemeClr>
-              </a:solidFill>
-              <a:latin typeface="Palatino Linotype" pitchFamily="18" charset="0"/>
-            </a:endParaRPr>
-          </a:p>
-          <a:p>
-            <a:pPr marL="342900" indent="-342900">
-              <a:buFont typeface="Arial" pitchFamily="34" charset="0"/>
-              <a:buChar char="•"/>
-            </a:pPr>
-            <a:r>
-              <a:rPr lang="en-US" b="1" dirty="0" smtClean="0">
-                <a:solidFill>
-                  <a:schemeClr val="tx1">
-                    <a:lumMod val="85000"/>
-                    <a:lumOff val="15000"/>
-                  </a:schemeClr>
-                </a:solidFill>
-                <a:latin typeface="Palatino Linotype" pitchFamily="18" charset="0"/>
-              </a:rPr>
-              <a:t>Primary Key</a:t>
-            </a:r>
-            <a:r>
-              <a:rPr lang="en-US" dirty="0" smtClean="0">
-                <a:solidFill>
-                  <a:schemeClr val="tx1">
-                    <a:lumMod val="85000"/>
-                    <a:lumOff val="15000"/>
-                  </a:schemeClr>
-                </a:solidFill>
-                <a:latin typeface="Palatino Linotype" pitchFamily="18" charset="0"/>
-              </a:rPr>
-              <a:t>: </a:t>
-            </a:r>
-            <a:r>
-              <a:rPr lang="en-US" dirty="0" smtClean="0">
-                <a:latin typeface="Palatino Linotype" pitchFamily="18" charset="0"/>
-              </a:rPr>
-              <a:t>Primary Key is a set of attributes (or attribute) which uniquely identify the tuples in relation or table. There is one and only one primary key in any relationship.</a:t>
-            </a:r>
-            <a:r>
-              <a:rPr lang="en-US" dirty="0" smtClean="0">
-                <a:solidFill>
-                  <a:schemeClr val="tx1">
-                    <a:lumMod val="85000"/>
-                    <a:lumOff val="15000"/>
-                  </a:schemeClr>
-                </a:solidFill>
-                <a:latin typeface="Palatino Linotype" pitchFamily="18" charset="0"/>
-              </a:rPr>
-              <a:t> </a:t>
-            </a:r>
-          </a:p>
-          <a:p>
-            <a:pPr marL="342900" indent="-342900">
-              <a:buFont typeface="Arial" pitchFamily="34" charset="0"/>
-              <a:buChar char="•"/>
-            </a:pPr>
-            <a:endParaRPr lang="en-US" dirty="0" smtClean="0">
-              <a:solidFill>
-                <a:schemeClr val="tx1">
-                  <a:lumMod val="85000"/>
-                  <a:lumOff val="15000"/>
-                </a:schemeClr>
-              </a:solidFill>
-              <a:latin typeface="Palatino Linotype" pitchFamily="18" charset="0"/>
-            </a:endParaRPr>
-          </a:p>
-          <a:p>
-            <a:pPr marL="342900" indent="17463"/>
-            <a:r>
-              <a:rPr lang="en-US" dirty="0" smtClean="0">
-                <a:solidFill>
-                  <a:schemeClr val="tx1">
-                    <a:lumMod val="85000"/>
-                    <a:lumOff val="15000"/>
-                  </a:schemeClr>
-                </a:solidFill>
-                <a:latin typeface="Palatino Linotype" pitchFamily="18" charset="0"/>
-              </a:rPr>
-              <a:t>Here in Employee table you can choose either ID or </a:t>
-            </a:r>
-            <a:r>
-              <a:rPr lang="en-US" dirty="0" smtClean="0">
-                <a:latin typeface="Palatino Linotype" pitchFamily="18" charset="0"/>
-              </a:rPr>
-              <a:t>emailID columns as primary key column, ID is preferable choice, as emailID </a:t>
-            </a:r>
-            <a:r>
-              <a:rPr lang="en-US" dirty="0" smtClean="0">
-                <a:solidFill>
-                  <a:schemeClr val="tx1">
-                    <a:lumMod val="85000"/>
-                    <a:lumOff val="15000"/>
-                  </a:schemeClr>
-                </a:solidFill>
-                <a:latin typeface="Palatino Linotype" pitchFamily="18" charset="0"/>
-              </a:rPr>
-              <a:t>is a secure value.</a:t>
-            </a:r>
-          </a:p>
-        </p:txBody>
-      </p:sp>
-      <p:sp>
-        <p:nvSpPr>
-          <p:cNvPr id="7" name="Rectangle 6"/>
-          <p:cNvSpPr/>
-          <p:nvPr/>
-        </p:nvSpPr>
-        <p:spPr>
-          <a:xfrm>
-            <a:off x="406574" y="1182524"/>
-            <a:ext cx="9361040" cy="461665"/>
-          </a:xfrm>
-          <a:prstGeom prst="rect">
-            <a:avLst/>
-          </a:prstGeom>
-        </p:spPr>
-        <p:txBody>
-          <a:bodyPr wrap="square">
-            <a:spAutoFit/>
-          </a:bodyPr>
-          <a:lstStyle/>
-          <a:p>
-            <a:r>
-              <a:rPr lang="en-US" sz="2300" dirty="0" smtClean="0">
-                <a:solidFill>
-                  <a:schemeClr val="bg2">
-                    <a:lumMod val="25000"/>
-                  </a:schemeClr>
-                </a:solidFill>
-                <a:latin typeface="Gentium Basic"/>
-              </a:rPr>
-              <a:t>Employee { ID, firstName, lastName, DoB, emailID }</a:t>
-            </a:r>
-            <a:endParaRPr lang="en-US" sz="2300" dirty="0">
-              <a:solidFill>
-                <a:schemeClr val="bg2">
-                  <a:lumMod val="25000"/>
-                </a:schemeClr>
-              </a:solidFill>
-              <a:latin typeface="Gentium Basic"/>
-            </a:endParaRPr>
-          </a:p>
-        </p:txBody>
-      </p:sp>
       <p:pic>
         <p:nvPicPr>
           <p:cNvPr id="8" name="Picture 7">
             <a:extLst>
               <a:ext uri="{FF2B5EF4-FFF2-40B4-BE49-F238E27FC236}">
-                <a16:creationId xmlns:a16="http://schemas.microsoft.com/office/drawing/2014/main" xmlns="" id="{CA300AF8-3A8B-41EE-96B3-AEAC198AD8CA}"/>
+                <a16:creationId xmlns:a16="http://schemas.microsoft.com/office/drawing/2014/main" xmlns="" id="{FF24E983-0C73-4002-AA14-199E8763DD65}"/>
               </a:ext>
             </a:extLst>
           </p:cNvPr>
@@ -4843,10 +4897,10 @@
       </p:pic>
       <p:sp>
         <p:nvSpPr>
-          <p:cNvPr id="9" name="Footer Placeholder 2">
+          <p:cNvPr id="7" name="Footer Placeholder 2">
             <a:extLst>
               <a:ext uri="{FF2B5EF4-FFF2-40B4-BE49-F238E27FC236}">
-                <a16:creationId xmlns:a16="http://schemas.microsoft.com/office/drawing/2014/main" xmlns="" id="{49968677-CC8A-4C35-AABA-97CFF73A1AB5}"/>
+                <a16:creationId xmlns:a16="http://schemas.microsoft.com/office/drawing/2014/main" xmlns="" id="{E14F7621-66C5-47D6-A8C7-2B6C3CD2205A}"/>
               </a:ext>
             </a:extLst>
           </p:cNvPr>
@@ -4975,6 +5029,1459 @@
       </p:sp>
       <p:sp>
         <p:nvSpPr>
+          <p:cNvPr id="9" name="Rectangle 8"/>
+          <p:cNvSpPr/>
+          <p:nvPr/>
+        </p:nvSpPr>
+        <p:spPr>
+          <a:xfrm>
+            <a:off x="11755679" y="0"/>
+            <a:ext cx="431528" cy="369332"/>
+          </a:xfrm>
+          <a:prstGeom prst="rect">
+            <a:avLst/>
+          </a:prstGeom>
+        </p:spPr>
+        <p:txBody>
+          <a:bodyPr wrap="none">
+            <a:spAutoFit/>
+          </a:bodyPr>
+          <a:lstStyle/>
+          <a:p>
+            <a:r>
+              <a:rPr lang="en-IN" dirty="0" smtClean="0">
+                <a:latin typeface="Segoe UI Light" panose="020B0502040204020203" pitchFamily="34" charset="0"/>
+                <a:cs typeface="Segoe UI Light" panose="020B0502040204020203" pitchFamily="34" charset="0"/>
+              </a:rPr>
+              <a:t>(7)</a:t>
+            </a:r>
+            <a:endParaRPr lang="en-US" dirty="0"/>
+          </a:p>
+        </p:txBody>
+      </p:sp>
+      <p:sp>
+        <p:nvSpPr>
+          <p:cNvPr id="10" name="Title 1"/>
+          <p:cNvSpPr txBox="1">
+            <a:spLocks/>
+          </p:cNvSpPr>
+          <p:nvPr/>
+        </p:nvSpPr>
+        <p:spPr>
+          <a:xfrm>
+            <a:off x="1676182" y="836712"/>
+            <a:ext cx="8838049" cy="914400"/>
+          </a:xfrm>
+          <a:prstGeom prst="rect">
+            <a:avLst/>
+          </a:prstGeom>
+        </p:spPr>
+        <p:txBody>
+          <a:bodyPr>
+            <a:normAutofit/>
+          </a:bodyPr>
+          <a:lstStyle/>
+          <a:p>
+            <a:pPr algn="ctr">
+              <a:spcBef>
+                <a:spcPct val="0"/>
+              </a:spcBef>
+              <a:defRPr/>
+            </a:pPr>
+            <a:r>
+              <a:rPr lang="en-US" sz="4800" dirty="0" smtClean="0">
+                <a:latin typeface="Segoe UI Light" panose="020B0502040204020203" pitchFamily="34" charset="0"/>
+                <a:cs typeface="Segoe UI Light" panose="020B0502040204020203" pitchFamily="34" charset="0"/>
+              </a:rPr>
+              <a:t>Candidate </a:t>
+            </a:r>
+            <a:r>
+              <a:rPr lang="en-US" sz="4800" dirty="0" smtClean="0">
+                <a:latin typeface="Segoe UI Light" panose="020B0502040204020203" pitchFamily="34" charset="0"/>
+                <a:cs typeface="Segoe UI Light" panose="020B0502040204020203" pitchFamily="34" charset="0"/>
+              </a:rPr>
+              <a:t>key and </a:t>
+            </a:r>
+            <a:r>
+              <a:rPr lang="en-US" sz="4800" dirty="0" smtClean="0">
+                <a:latin typeface="Segoe UI Light" panose="020B0502040204020203" pitchFamily="34" charset="0"/>
+                <a:cs typeface="Segoe UI Light" panose="020B0502040204020203" pitchFamily="34" charset="0"/>
+              </a:rPr>
+              <a:t>Primary key</a:t>
+            </a:r>
+            <a:endParaRPr lang="en-IN" sz="4800" dirty="0">
+              <a:latin typeface="Segoe UI Light" panose="020B0502040204020203" pitchFamily="34" charset="0"/>
+              <a:cs typeface="Segoe UI Light" panose="020B0502040204020203" pitchFamily="34" charset="0"/>
+            </a:endParaRPr>
+          </a:p>
+        </p:txBody>
+      </p:sp>
+      <p:sp>
+        <p:nvSpPr>
+          <p:cNvPr id="6" name="Rectangle 5"/>
+          <p:cNvSpPr/>
+          <p:nvPr/>
+        </p:nvSpPr>
+        <p:spPr>
+          <a:xfrm>
+            <a:off x="622598" y="1916832"/>
+            <a:ext cx="11089232" cy="1754326"/>
+          </a:xfrm>
+          <a:prstGeom prst="rect">
+            <a:avLst/>
+          </a:prstGeom>
+        </p:spPr>
+        <p:txBody>
+          <a:bodyPr wrap="square">
+            <a:spAutoFit/>
+          </a:bodyPr>
+          <a:lstStyle/>
+          <a:p>
+            <a:r>
+              <a:rPr lang="en-US" b="1" dirty="0" smtClean="0">
+                <a:latin typeface="Palatino Linotype" pitchFamily="18" charset="0"/>
+              </a:rPr>
+              <a:t>Candidate Key</a:t>
+            </a:r>
+            <a:r>
+              <a:rPr lang="en-US" dirty="0" smtClean="0">
+                <a:latin typeface="Palatino Linotype" pitchFamily="18" charset="0"/>
+              </a:rPr>
+              <a:t> – A Candidate Key can be any column or a combination of columns that can qualify as unique key in database. There can be multiple Candidate Keys in one table. Each Candidate Key can qualify as Primary Key.</a:t>
+            </a:r>
+          </a:p>
+          <a:p>
+            <a:endParaRPr lang="en-US" dirty="0" smtClean="0">
+              <a:latin typeface="Palatino Linotype" pitchFamily="18" charset="0"/>
+            </a:endParaRPr>
+          </a:p>
+          <a:p>
+            <a:r>
+              <a:rPr lang="en-US" b="1" dirty="0" smtClean="0">
+                <a:latin typeface="Palatino Linotype" pitchFamily="18" charset="0"/>
+              </a:rPr>
+              <a:t>Primary Key</a:t>
+            </a:r>
+            <a:r>
+              <a:rPr lang="en-US" dirty="0" smtClean="0">
+                <a:latin typeface="Palatino Linotype" pitchFamily="18" charset="0"/>
+              </a:rPr>
+              <a:t> – A Primary Key is a column or a combination of columns that uniquely identify a record. Only one Candidate Key can be Primary Key.</a:t>
+            </a:r>
+            <a:endParaRPr lang="en-US" dirty="0">
+              <a:latin typeface="Palatino Linotype" pitchFamily="18" charset="0"/>
+            </a:endParaRPr>
+          </a:p>
+        </p:txBody>
+      </p:sp>
+      <p:sp>
+        <p:nvSpPr>
+          <p:cNvPr id="13" name="Rectangle 12"/>
+          <p:cNvSpPr/>
+          <p:nvPr/>
+        </p:nvSpPr>
+        <p:spPr>
+          <a:xfrm>
+            <a:off x="622598" y="3933056"/>
+            <a:ext cx="627095" cy="369332"/>
+          </a:xfrm>
+          <a:prstGeom prst="rect">
+            <a:avLst/>
+          </a:prstGeom>
+        </p:spPr>
+        <p:txBody>
+          <a:bodyPr wrap="none">
+            <a:spAutoFit/>
+          </a:bodyPr>
+          <a:lstStyle/>
+          <a:p>
+            <a:r>
+              <a:rPr lang="en-US" b="1" dirty="0" smtClean="0">
+                <a:latin typeface="Palatino Linotype" pitchFamily="18" charset="0"/>
+                <a:cs typeface="Segoe UI Light" panose="020B0502040204020203" pitchFamily="34" charset="0"/>
+              </a:rPr>
+              <a:t>key </a:t>
+            </a:r>
+            <a:endParaRPr lang="en-US" b="1" dirty="0">
+              <a:latin typeface="Palatino Linotype" pitchFamily="18" charset="0"/>
+            </a:endParaRPr>
+          </a:p>
+        </p:txBody>
+      </p:sp>
+      <p:graphicFrame>
+        <p:nvGraphicFramePr>
+          <p:cNvPr id="14" name="Table 13"/>
+          <p:cNvGraphicFramePr>
+            <a:graphicFrameLocks noGrp="1"/>
+          </p:cNvGraphicFramePr>
+          <p:nvPr/>
+        </p:nvGraphicFramePr>
+        <p:xfrm>
+          <a:off x="622598" y="4437112"/>
+          <a:ext cx="11017223" cy="1483360"/>
+        </p:xfrm>
+        <a:graphic>
+          <a:graphicData uri="http://schemas.openxmlformats.org/drawingml/2006/table">
+            <a:tbl>
+              <a:tblPr firstRow="1" bandRow="1">
+                <a:tableStyleId>{5940675A-B579-460E-94D1-54222C63F5DA}</a:tableStyleId>
+              </a:tblPr>
+              <a:tblGrid>
+                <a:gridCol w="1573889"/>
+                <a:gridCol w="1573889"/>
+                <a:gridCol w="1573889"/>
+                <a:gridCol w="1399013"/>
+                <a:gridCol w="1008112"/>
+                <a:gridCol w="2314542"/>
+                <a:gridCol w="1573889"/>
+              </a:tblGrid>
+              <a:tr h="370840">
+                <a:tc>
+                  <a:txBody>
+                    <a:bodyPr/>
+                    <a:lstStyle/>
+                    <a:p>
+                      <a:pPr algn="ctr"/>
+                      <a:r>
+                        <a:rPr lang="en-US" b="1" dirty="0" smtClean="0">
+                          <a:latin typeface="Palatino Linotype" pitchFamily="18" charset="0"/>
+                        </a:rPr>
+                        <a:t>ID</a:t>
+                      </a:r>
+                      <a:endParaRPr lang="en-US" b="1" dirty="0">
+                        <a:latin typeface="Palatino Linotype" pitchFamily="18" charset="0"/>
+                      </a:endParaRPr>
+                    </a:p>
+                  </a:txBody>
+                  <a:tcPr anchor="ctr">
+                    <a:solidFill>
+                      <a:schemeClr val="accent6">
+                        <a:lumMod val="20000"/>
+                        <a:lumOff val="80000"/>
+                      </a:schemeClr>
+                    </a:solidFill>
+                  </a:tcPr>
+                </a:tc>
+                <a:tc>
+                  <a:txBody>
+                    <a:bodyPr/>
+                    <a:lstStyle/>
+                    <a:p>
+                      <a:pPr algn="ctr"/>
+                      <a:r>
+                        <a:rPr lang="en-US" sz="1800" b="1" dirty="0" smtClean="0">
+                          <a:latin typeface="Palatino Linotype" pitchFamily="18" charset="0"/>
+                        </a:rPr>
+                        <a:t>firstName</a:t>
+                      </a:r>
+                      <a:endParaRPr lang="en-US" b="1" dirty="0">
+                        <a:latin typeface="Palatino Linotype" pitchFamily="18" charset="0"/>
+                      </a:endParaRPr>
+                    </a:p>
+                  </a:txBody>
+                  <a:tcPr anchor="ctr">
+                    <a:solidFill>
+                      <a:schemeClr val="accent6">
+                        <a:lumMod val="20000"/>
+                        <a:lumOff val="80000"/>
+                      </a:schemeClr>
+                    </a:solidFill>
+                  </a:tcPr>
+                </a:tc>
+                <a:tc>
+                  <a:txBody>
+                    <a:bodyPr/>
+                    <a:lstStyle/>
+                    <a:p>
+                      <a:pPr algn="ctr"/>
+                      <a:r>
+                        <a:rPr lang="en-US" sz="1800" b="1" dirty="0" smtClean="0">
+                          <a:latin typeface="Palatino Linotype" pitchFamily="18" charset="0"/>
+                        </a:rPr>
+                        <a:t>lastName</a:t>
+                      </a:r>
+                      <a:endParaRPr lang="en-US" b="1" dirty="0">
+                        <a:latin typeface="Palatino Linotype" pitchFamily="18" charset="0"/>
+                      </a:endParaRPr>
+                    </a:p>
+                  </a:txBody>
+                  <a:tcPr anchor="ctr">
+                    <a:solidFill>
+                      <a:schemeClr val="accent6">
+                        <a:lumMod val="20000"/>
+                        <a:lumOff val="80000"/>
+                      </a:schemeClr>
+                    </a:solidFill>
+                  </a:tcPr>
+                </a:tc>
+                <a:tc>
+                  <a:txBody>
+                    <a:bodyPr/>
+                    <a:lstStyle/>
+                    <a:p>
+                      <a:pPr algn="ctr"/>
+                      <a:r>
+                        <a:rPr lang="en-US" sz="1800" b="1" dirty="0" smtClean="0">
+                          <a:latin typeface="Palatino Linotype" pitchFamily="18" charset="0"/>
+                        </a:rPr>
+                        <a:t>DoB</a:t>
+                      </a:r>
+                      <a:endParaRPr lang="en-US" b="1" dirty="0">
+                        <a:latin typeface="Palatino Linotype" pitchFamily="18" charset="0"/>
+                      </a:endParaRPr>
+                    </a:p>
+                  </a:txBody>
+                  <a:tcPr anchor="ctr">
+                    <a:solidFill>
+                      <a:schemeClr val="accent6">
+                        <a:lumMod val="20000"/>
+                        <a:lumOff val="80000"/>
+                      </a:schemeClr>
+                    </a:solidFill>
+                  </a:tcPr>
+                </a:tc>
+                <a:tc>
+                  <a:txBody>
+                    <a:bodyPr/>
+                    <a:lstStyle/>
+                    <a:p>
+                      <a:pPr algn="ctr"/>
+                      <a:r>
+                        <a:rPr lang="en-US" b="1" dirty="0" smtClean="0">
+                          <a:latin typeface="Palatino Linotype" pitchFamily="18" charset="0"/>
+                        </a:rPr>
+                        <a:t>city</a:t>
+                      </a:r>
+                      <a:endParaRPr lang="en-US" b="1" dirty="0">
+                        <a:latin typeface="Palatino Linotype" pitchFamily="18" charset="0"/>
+                      </a:endParaRPr>
+                    </a:p>
+                  </a:txBody>
+                  <a:tcPr anchor="ctr">
+                    <a:solidFill>
+                      <a:schemeClr val="accent6">
+                        <a:lumMod val="20000"/>
+                        <a:lumOff val="80000"/>
+                      </a:schemeClr>
+                    </a:solidFill>
+                  </a:tcPr>
+                </a:tc>
+                <a:tc>
+                  <a:txBody>
+                    <a:bodyPr/>
+                    <a:lstStyle/>
+                    <a:p>
+                      <a:pPr algn="ctr"/>
+                      <a:r>
+                        <a:rPr lang="en-US" b="1" dirty="0" smtClean="0">
+                          <a:latin typeface="Palatino Linotype" pitchFamily="18" charset="0"/>
+                        </a:rPr>
+                        <a:t>emailID</a:t>
+                      </a:r>
+                      <a:endParaRPr lang="en-US" b="1" dirty="0">
+                        <a:latin typeface="Palatino Linotype" pitchFamily="18" charset="0"/>
+                      </a:endParaRPr>
+                    </a:p>
+                  </a:txBody>
+                  <a:tcPr anchor="ctr">
+                    <a:solidFill>
+                      <a:schemeClr val="accent6">
+                        <a:lumMod val="20000"/>
+                        <a:lumOff val="80000"/>
+                      </a:schemeClr>
+                    </a:solidFill>
+                  </a:tcPr>
+                </a:tc>
+                <a:tc>
+                  <a:txBody>
+                    <a:bodyPr/>
+                    <a:lstStyle/>
+                    <a:p>
+                      <a:pPr algn="ctr"/>
+                      <a:r>
+                        <a:rPr lang="en-US" b="1" dirty="0" smtClean="0">
+                          <a:latin typeface="Palatino Linotype" pitchFamily="18" charset="0"/>
+                        </a:rPr>
+                        <a:t>pan_card</a:t>
+                      </a:r>
+                      <a:endParaRPr lang="en-US" b="1" dirty="0">
+                        <a:latin typeface="Palatino Linotype" pitchFamily="18" charset="0"/>
+                      </a:endParaRPr>
+                    </a:p>
+                  </a:txBody>
+                  <a:tcPr anchor="ctr">
+                    <a:solidFill>
+                      <a:schemeClr val="accent6">
+                        <a:lumMod val="20000"/>
+                        <a:lumOff val="80000"/>
+                      </a:schemeClr>
+                    </a:solidFill>
+                  </a:tcPr>
+                </a:tc>
+              </a:tr>
+              <a:tr h="370840">
+                <a:tc>
+                  <a:txBody>
+                    <a:bodyPr/>
+                    <a:lstStyle/>
+                    <a:p>
+                      <a:pPr algn="ctr"/>
+                      <a:r>
+                        <a:rPr lang="en-US" dirty="0" smtClean="0">
+                          <a:latin typeface="Palatino Linotype" pitchFamily="18" charset="0"/>
+                        </a:rPr>
+                        <a:t>1</a:t>
+                      </a:r>
+                      <a:endParaRPr lang="en-US" dirty="0">
+                        <a:latin typeface="Palatino Linotype" pitchFamily="18" charset="0"/>
+                      </a:endParaRPr>
+                    </a:p>
+                  </a:txBody>
+                  <a:tcPr anchor="ctr">
+                    <a:noFill/>
+                  </a:tcPr>
+                </a:tc>
+                <a:tc>
+                  <a:txBody>
+                    <a:bodyPr/>
+                    <a:lstStyle/>
+                    <a:p>
+                      <a:r>
+                        <a:rPr lang="en-US" dirty="0" smtClean="0">
+                          <a:latin typeface="Palatino Linotype" pitchFamily="18" charset="0"/>
+                        </a:rPr>
+                        <a:t>rajesh</a:t>
+                      </a:r>
+                      <a:endParaRPr lang="en-US" dirty="0">
+                        <a:latin typeface="Palatino Linotype" pitchFamily="18" charset="0"/>
+                      </a:endParaRPr>
+                    </a:p>
+                  </a:txBody>
+                  <a:tcPr anchor="ctr">
+                    <a:noFill/>
+                  </a:tcPr>
+                </a:tc>
+                <a:tc>
+                  <a:txBody>
+                    <a:bodyPr/>
+                    <a:lstStyle/>
+                    <a:p>
+                      <a:r>
+                        <a:rPr lang="en-US" dirty="0" smtClean="0">
+                          <a:latin typeface="Palatino Linotype" pitchFamily="18" charset="0"/>
+                        </a:rPr>
+                        <a:t>kumar</a:t>
+                      </a:r>
+                      <a:endParaRPr lang="en-US" dirty="0">
+                        <a:latin typeface="Palatino Linotype" pitchFamily="18" charset="0"/>
+                      </a:endParaRPr>
+                    </a:p>
+                  </a:txBody>
+                  <a:tcPr anchor="ctr">
+                    <a:noFill/>
+                  </a:tcPr>
+                </a:tc>
+                <a:tc>
+                  <a:txBody>
+                    <a:bodyPr/>
+                    <a:lstStyle/>
+                    <a:p>
+                      <a:pPr algn="ctr"/>
+                      <a:r>
+                        <a:rPr lang="en-US" dirty="0" smtClean="0">
+                          <a:latin typeface="Palatino Linotype" pitchFamily="18" charset="0"/>
+                        </a:rPr>
+                        <a:t>1999-03-20</a:t>
+                      </a:r>
+                      <a:endParaRPr lang="en-US" dirty="0">
+                        <a:latin typeface="Palatino Linotype" pitchFamily="18" charset="0"/>
+                      </a:endParaRPr>
+                    </a:p>
+                  </a:txBody>
+                  <a:tcPr anchor="ctr">
+                    <a:noFill/>
+                  </a:tcPr>
+                </a:tc>
+                <a:tc>
+                  <a:txBody>
+                    <a:bodyPr/>
+                    <a:lstStyle/>
+                    <a:p>
+                      <a:r>
+                        <a:rPr lang="en-US" dirty="0" smtClean="0">
+                          <a:latin typeface="Palatino Linotype" pitchFamily="18" charset="0"/>
+                        </a:rPr>
+                        <a:t>pune</a:t>
+                      </a:r>
+                      <a:endParaRPr lang="en-US" dirty="0">
+                        <a:latin typeface="Palatino Linotype" pitchFamily="18" charset="0"/>
+                      </a:endParaRPr>
+                    </a:p>
+                  </a:txBody>
+                  <a:tcPr anchor="ctr">
+                    <a:noFill/>
+                  </a:tcPr>
+                </a:tc>
+                <a:tc>
+                  <a:txBody>
+                    <a:bodyPr/>
+                    <a:lstStyle/>
+                    <a:p>
+                      <a:r>
+                        <a:rPr lang="en-US" dirty="0" smtClean="0">
+                          <a:latin typeface="Palatino Linotype" pitchFamily="18" charset="0"/>
+                        </a:rPr>
+                        <a:t>rajesh.k@gmail.com</a:t>
+                      </a:r>
+                      <a:endParaRPr lang="en-US" dirty="0">
+                        <a:latin typeface="Palatino Linotype" pitchFamily="18" charset="0"/>
+                      </a:endParaRPr>
+                    </a:p>
+                  </a:txBody>
+                  <a:tcPr anchor="ctr">
+                    <a:noFill/>
+                  </a:tcPr>
+                </a:tc>
+                <a:tc>
+                  <a:txBody>
+                    <a:bodyPr/>
+                    <a:lstStyle/>
+                    <a:p>
+                      <a:r>
+                        <a:rPr lang="en-US" dirty="0" smtClean="0">
+                          <a:latin typeface="Palatino Linotype" pitchFamily="18" charset="0"/>
+                        </a:rPr>
+                        <a:t>AXD012-30</a:t>
+                      </a:r>
+                      <a:endParaRPr lang="en-US" dirty="0">
+                        <a:latin typeface="Palatino Linotype" pitchFamily="18" charset="0"/>
+                      </a:endParaRPr>
+                    </a:p>
+                  </a:txBody>
+                  <a:tcPr anchor="ctr">
+                    <a:noFill/>
+                  </a:tcPr>
+                </a:tc>
+              </a:tr>
+              <a:tr h="370840">
+                <a:tc>
+                  <a:txBody>
+                    <a:bodyPr/>
+                    <a:lstStyle/>
+                    <a:p>
+                      <a:pPr algn="ctr"/>
+                      <a:r>
+                        <a:rPr lang="en-US" dirty="0" smtClean="0">
+                          <a:latin typeface="Palatino Linotype" pitchFamily="18" charset="0"/>
+                        </a:rPr>
+                        <a:t>2</a:t>
+                      </a:r>
+                      <a:endParaRPr lang="en-US" dirty="0">
+                        <a:latin typeface="Palatino Linotype" pitchFamily="18" charset="0"/>
+                      </a:endParaRPr>
+                    </a:p>
+                  </a:txBody>
+                  <a:tcPr anchor="ctr"/>
+                </a:tc>
+                <a:tc>
+                  <a:txBody>
+                    <a:bodyPr/>
+                    <a:lstStyle/>
+                    <a:p>
+                      <a:r>
+                        <a:rPr lang="en-US" dirty="0" smtClean="0">
+                          <a:latin typeface="Palatino Linotype" pitchFamily="18" charset="0"/>
+                        </a:rPr>
+                        <a:t>sunil</a:t>
+                      </a:r>
+                      <a:endParaRPr lang="en-US" dirty="0">
+                        <a:latin typeface="Palatino Linotype" pitchFamily="18" charset="0"/>
+                      </a:endParaRPr>
+                    </a:p>
+                  </a:txBody>
+                  <a:tcPr anchor="ctr"/>
+                </a:tc>
+                <a:tc>
+                  <a:txBody>
+                    <a:bodyPr/>
+                    <a:lstStyle/>
+                    <a:p>
+                      <a:r>
+                        <a:rPr lang="en-US" dirty="0" smtClean="0">
+                          <a:latin typeface="Palatino Linotype" pitchFamily="18" charset="0"/>
+                        </a:rPr>
+                        <a:t>kumar</a:t>
+                      </a:r>
+                      <a:endParaRPr lang="en-US" dirty="0">
+                        <a:latin typeface="Palatino Linotype" pitchFamily="18" charset="0"/>
+                      </a:endParaRPr>
+                    </a:p>
+                  </a:txBody>
+                  <a:tcPr anchor="ctr"/>
+                </a:tc>
+                <a:tc>
+                  <a:txBody>
+                    <a:bodyPr/>
+                    <a:lstStyle/>
+                    <a:p>
+                      <a:pPr algn="ctr"/>
+                      <a:r>
+                        <a:rPr lang="en-US" dirty="0" smtClean="0">
+                          <a:latin typeface="Palatino Linotype" pitchFamily="18" charset="0"/>
+                        </a:rPr>
+                        <a:t>2000-12-24</a:t>
+                      </a:r>
+                      <a:endParaRPr lang="en-US" dirty="0">
+                        <a:latin typeface="Palatino Linotype" pitchFamily="18" charset="0"/>
+                      </a:endParaRPr>
+                    </a:p>
+                  </a:txBody>
+                  <a:tcPr anchor="ctr"/>
+                </a:tc>
+                <a:tc>
+                  <a:txBody>
+                    <a:bodyPr/>
+                    <a:lstStyle/>
+                    <a:p>
+                      <a:r>
+                        <a:rPr lang="en-US" dirty="0" smtClean="0">
+                          <a:latin typeface="Palatino Linotype" pitchFamily="18" charset="0"/>
+                        </a:rPr>
+                        <a:t>baroda</a:t>
+                      </a:r>
+                      <a:endParaRPr lang="en-US" dirty="0">
+                        <a:latin typeface="Palatino Linotype" pitchFamily="18" charset="0"/>
+                      </a:endParaRPr>
+                    </a:p>
+                  </a:txBody>
+                  <a:tcPr anchor="ctr"/>
+                </a:tc>
+                <a:tc>
+                  <a:txBody>
+                    <a:bodyPr/>
+                    <a:lstStyle/>
+                    <a:p>
+                      <a:r>
+                        <a:rPr lang="en-US" dirty="0" smtClean="0">
+                          <a:latin typeface="Palatino Linotype" pitchFamily="18" charset="0"/>
+                        </a:rPr>
+                        <a:t>skumar@gmail.com</a:t>
+                      </a:r>
+                      <a:endParaRPr lang="en-US" dirty="0">
+                        <a:latin typeface="Palatino Linotype" pitchFamily="18" charset="0"/>
+                      </a:endParaRPr>
+                    </a:p>
+                  </a:txBody>
+                  <a:tcPr anchor="ctr"/>
+                </a:tc>
+                <a:tc>
+                  <a:txBody>
+                    <a:bodyPr/>
+                    <a:lstStyle/>
+                    <a:p>
+                      <a:r>
+                        <a:rPr lang="en-US" dirty="0" smtClean="0">
+                          <a:latin typeface="Palatino Linotype" pitchFamily="18" charset="0"/>
+                        </a:rPr>
+                        <a:t>XXAHFF201</a:t>
+                      </a:r>
+                      <a:endParaRPr lang="en-US" dirty="0">
+                        <a:latin typeface="Palatino Linotype" pitchFamily="18" charset="0"/>
+                      </a:endParaRPr>
+                    </a:p>
+                  </a:txBody>
+                  <a:tcPr anchor="ctr"/>
+                </a:tc>
+              </a:tr>
+              <a:tr h="370840">
+                <a:tc>
+                  <a:txBody>
+                    <a:bodyPr/>
+                    <a:lstStyle/>
+                    <a:p>
+                      <a:pPr algn="ctr"/>
+                      <a:r>
+                        <a:rPr lang="en-US" dirty="0" smtClean="0">
+                          <a:latin typeface="Palatino Linotype" pitchFamily="18" charset="0"/>
+                        </a:rPr>
+                        <a:t>3</a:t>
+                      </a:r>
+                      <a:endParaRPr lang="en-US" dirty="0">
+                        <a:latin typeface="Palatino Linotype" pitchFamily="18" charset="0"/>
+                      </a:endParaRPr>
+                    </a:p>
+                  </a:txBody>
+                  <a:tcPr anchor="ctr">
+                    <a:noFill/>
+                  </a:tcPr>
+                </a:tc>
+                <a:tc>
+                  <a:txBody>
+                    <a:bodyPr/>
+                    <a:lstStyle/>
+                    <a:p>
+                      <a:r>
+                        <a:rPr lang="en-US" dirty="0" smtClean="0">
+                          <a:latin typeface="Palatino Linotype" pitchFamily="18" charset="0"/>
+                        </a:rPr>
+                        <a:t>rajesh</a:t>
+                      </a:r>
+                      <a:endParaRPr lang="en-US" dirty="0">
+                        <a:latin typeface="Palatino Linotype" pitchFamily="18" charset="0"/>
+                      </a:endParaRPr>
+                    </a:p>
+                  </a:txBody>
+                  <a:tcPr anchor="ctr">
+                    <a:noFill/>
+                  </a:tcPr>
+                </a:tc>
+                <a:tc>
+                  <a:txBody>
+                    <a:bodyPr/>
+                    <a:lstStyle/>
+                    <a:p>
+                      <a:r>
+                        <a:rPr lang="en-US" dirty="0" smtClean="0">
+                          <a:latin typeface="Palatino Linotype" pitchFamily="18" charset="0"/>
+                        </a:rPr>
+                        <a:t>kumar</a:t>
+                      </a:r>
+                      <a:endParaRPr lang="en-US" dirty="0">
+                        <a:latin typeface="Palatino Linotype" pitchFamily="18" charset="0"/>
+                      </a:endParaRPr>
+                    </a:p>
+                  </a:txBody>
+                  <a:tcPr anchor="ctr">
+                    <a:noFill/>
+                  </a:tcPr>
+                </a:tc>
+                <a:tc>
+                  <a:txBody>
+                    <a:bodyPr/>
+                    <a:lstStyle/>
+                    <a:p>
+                      <a:pPr algn="ctr"/>
+                      <a:r>
+                        <a:rPr lang="en-US" dirty="0" smtClean="0">
+                          <a:latin typeface="Palatino Linotype" pitchFamily="18" charset="0"/>
+                        </a:rPr>
+                        <a:t>1999-03-20</a:t>
+                      </a:r>
+                      <a:endParaRPr lang="en-US" dirty="0">
+                        <a:latin typeface="Palatino Linotype" pitchFamily="18" charset="0"/>
+                      </a:endParaRPr>
+                    </a:p>
+                  </a:txBody>
+                  <a:tcPr anchor="ctr">
+                    <a:noFill/>
+                  </a:tcPr>
+                </a:tc>
+                <a:tc>
+                  <a:txBody>
+                    <a:bodyPr/>
+                    <a:lstStyle/>
+                    <a:p>
+                      <a:r>
+                        <a:rPr lang="en-US" dirty="0" smtClean="0">
+                          <a:latin typeface="Palatino Linotype" pitchFamily="18" charset="0"/>
+                        </a:rPr>
+                        <a:t>pune</a:t>
+                      </a:r>
+                      <a:endParaRPr lang="en-US" dirty="0">
+                        <a:latin typeface="Palatino Linotype" pitchFamily="18" charset="0"/>
+                      </a:endParaRPr>
+                    </a:p>
+                  </a:txBody>
+                  <a:tcPr anchor="ctr">
+                    <a:noFill/>
+                  </a:tcPr>
+                </a:tc>
+                <a:tc>
+                  <a:txBody>
+                    <a:bodyPr/>
+                    <a:lstStyle/>
+                    <a:p>
+                      <a:r>
+                        <a:rPr lang="en-US" dirty="0" smtClean="0">
+                          <a:latin typeface="Palatino Linotype" pitchFamily="18" charset="0"/>
+                        </a:rPr>
+                        <a:t>kumr.raj@gmail.com</a:t>
+                      </a:r>
+                      <a:endParaRPr lang="en-US" dirty="0">
+                        <a:latin typeface="Palatino Linotype" pitchFamily="18" charset="0"/>
+                      </a:endParaRPr>
+                    </a:p>
+                  </a:txBody>
+                  <a:tcPr anchor="ctr">
+                    <a:noFill/>
+                  </a:tcPr>
+                </a:tc>
+                <a:tc>
+                  <a:txBody>
+                    <a:bodyPr/>
+                    <a:lstStyle/>
+                    <a:p>
+                      <a:r>
+                        <a:rPr lang="en-US" dirty="0" smtClean="0">
+                          <a:latin typeface="Palatino Linotype" pitchFamily="18" charset="0"/>
+                        </a:rPr>
+                        <a:t>RDGH-78IO</a:t>
+                      </a:r>
+                      <a:endParaRPr lang="en-US" dirty="0">
+                        <a:latin typeface="Palatino Linotype" pitchFamily="18" charset="0"/>
+                      </a:endParaRPr>
+                    </a:p>
+                  </a:txBody>
+                  <a:tcPr anchor="ctr">
+                    <a:noFill/>
+                  </a:tcPr>
+                </a:tc>
+              </a:tr>
+            </a:tbl>
+          </a:graphicData>
+        </a:graphic>
+      </p:graphicFrame>
+    </p:spTree>
+    <p:extLst>
+      <p:ext uri="{BB962C8B-B14F-4D97-AF65-F5344CB8AC3E}">
+        <p14:creationId xmlns:p14="http://schemas.microsoft.com/office/powerpoint/2010/main" xmlns="" val="2547664928"/>
+      </p:ext>
+    </p:extLst>
+  </p:cSld>
+  <p:clrMapOvr>
+    <a:masterClrMapping/>
+  </p:clrMapOvr>
+  <p:timing>
+    <p:tnLst>
+      <p:par>
+        <p:cTn id="1" dur="indefinite" restart="never" nodeType="tmRoot"/>
+      </p:par>
+    </p:tnLst>
+  </p:timing>
+</p:sld>
+</file>
+
+<file path=ppt/slides/slide3.xml><?xml version="1.0" encoding="utf-8"?>
+<p:sld xmlns:a="http://schemas.openxmlformats.org/drawingml/2006/main" xmlns:r="http://schemas.openxmlformats.org/officeDocument/2006/relationships" xmlns:p="http://schemas.openxmlformats.org/presentationml/2006/main">
+  <p:cSld>
+    <p:spTree>
+      <p:nvGrpSpPr>
+        <p:cNvPr id="1" name=""/>
+        <p:cNvGrpSpPr/>
+        <p:nvPr/>
+      </p:nvGrpSpPr>
+      <p:grpSpPr>
+        <a:xfrm>
+          <a:off x="0" y="0"/>
+          <a:ext cx="0" cy="0"/>
+          <a:chOff x="0" y="0"/>
+          <a:chExt cx="0" cy="0"/>
+        </a:xfrm>
+      </p:grpSpPr>
+      <p:sp>
+        <p:nvSpPr>
+          <p:cNvPr id="58370" name="AutoShape 2" descr="One-to-one entity relationship diagram"/>
+          <p:cNvSpPr>
+            <a:spLocks noChangeAspect="1" noChangeArrowheads="1"/>
+          </p:cNvSpPr>
+          <p:nvPr/>
+        </p:nvSpPr>
+        <p:spPr bwMode="auto">
+          <a:xfrm>
+            <a:off x="1679356" y="-144463"/>
+            <a:ext cx="304760" cy="304801"/>
+          </a:xfrm>
+          <a:prstGeom prst="rect">
+            <a:avLst/>
+          </a:prstGeom>
+          <a:noFill/>
+        </p:spPr>
+        <p:txBody>
+          <a:bodyPr vert="horz" wrap="square" lIns="91440" tIns="45720" rIns="91440" bIns="45720" numCol="1" anchor="t" anchorCtr="0" compatLnSpc="1">
+            <a:prstTxWarp prst="textNoShape">
+              <a:avLst/>
+            </a:prstTxWarp>
+          </a:bodyPr>
+          <a:lstStyle/>
+          <a:p>
+            <a:endParaRPr lang="en-US" dirty="0">
+              <a:latin typeface="Arial" pitchFamily="34" charset="0"/>
+              <a:cs typeface="Arial" pitchFamily="34" charset="0"/>
+            </a:endParaRPr>
+          </a:p>
+        </p:txBody>
+      </p:sp>
+      <p:sp>
+        <p:nvSpPr>
+          <p:cNvPr id="58372" name="AutoShape 4" descr="One-to-one entity relationship diagram"/>
+          <p:cNvSpPr>
+            <a:spLocks noChangeAspect="1" noChangeArrowheads="1"/>
+          </p:cNvSpPr>
+          <p:nvPr/>
+        </p:nvSpPr>
+        <p:spPr bwMode="auto">
+          <a:xfrm>
+            <a:off x="1679356" y="-144463"/>
+            <a:ext cx="304760" cy="304801"/>
+          </a:xfrm>
+          <a:prstGeom prst="rect">
+            <a:avLst/>
+          </a:prstGeom>
+          <a:noFill/>
+        </p:spPr>
+        <p:txBody>
+          <a:bodyPr vert="horz" wrap="square" lIns="91440" tIns="45720" rIns="91440" bIns="45720" numCol="1" anchor="t" anchorCtr="0" compatLnSpc="1">
+            <a:prstTxWarp prst="textNoShape">
+              <a:avLst/>
+            </a:prstTxWarp>
+          </a:bodyPr>
+          <a:lstStyle/>
+          <a:p>
+            <a:endParaRPr lang="en-US" dirty="0">
+              <a:latin typeface="Arial" pitchFamily="34" charset="0"/>
+              <a:cs typeface="Arial" pitchFamily="34" charset="0"/>
+            </a:endParaRPr>
+          </a:p>
+        </p:txBody>
+      </p:sp>
+      <p:sp>
+        <p:nvSpPr>
+          <p:cNvPr id="6" name="Rectangle 5"/>
+          <p:cNvSpPr/>
+          <p:nvPr/>
+        </p:nvSpPr>
+        <p:spPr>
+          <a:xfrm>
+            <a:off x="406574" y="3640956"/>
+            <a:ext cx="11305256" cy="2308324"/>
+          </a:xfrm>
+          <a:prstGeom prst="rect">
+            <a:avLst/>
+          </a:prstGeom>
+        </p:spPr>
+        <p:txBody>
+          <a:bodyPr wrap="square">
+            <a:spAutoFit/>
+          </a:bodyPr>
+          <a:lstStyle/>
+          <a:p>
+            <a:pPr marL="342900" indent="-342900">
+              <a:buFont typeface="Arial" pitchFamily="34" charset="0"/>
+              <a:buChar char="•"/>
+            </a:pPr>
+            <a:r>
+              <a:rPr lang="en-US" b="1" dirty="0" smtClean="0">
+                <a:solidFill>
+                  <a:schemeClr val="tx1">
+                    <a:lumMod val="85000"/>
+                    <a:lumOff val="15000"/>
+                  </a:schemeClr>
+                </a:solidFill>
+                <a:latin typeface="Palatino Linotype" pitchFamily="18" charset="0"/>
+              </a:rPr>
+              <a:t>Candidate </a:t>
+            </a:r>
+            <a:r>
+              <a:rPr lang="en-US" b="1" dirty="0">
+                <a:solidFill>
+                  <a:schemeClr val="tx1">
+                    <a:lumMod val="85000"/>
+                    <a:lumOff val="15000"/>
+                  </a:schemeClr>
+                </a:solidFill>
+                <a:latin typeface="Palatino Linotype" pitchFamily="18" charset="0"/>
+              </a:rPr>
+              <a:t>Key</a:t>
+            </a:r>
+            <a:r>
+              <a:rPr lang="en-US" dirty="0">
+                <a:solidFill>
+                  <a:schemeClr val="tx1">
+                    <a:lumMod val="85000"/>
+                    <a:lumOff val="15000"/>
+                  </a:schemeClr>
+                </a:solidFill>
+                <a:latin typeface="Palatino Linotype" pitchFamily="18" charset="0"/>
+              </a:rPr>
+              <a:t>: </a:t>
+            </a:r>
+            <a:r>
+              <a:rPr lang="en-US" dirty="0" smtClean="0">
+                <a:latin typeface="Palatino Linotype" pitchFamily="18" charset="0"/>
+              </a:rPr>
+              <a:t>A candidate key is a set of attributes (or attribute) which uniquely identify the tuples in relation or table. </a:t>
+            </a:r>
+          </a:p>
+          <a:p>
+            <a:pPr marL="342900" indent="17463"/>
+            <a:r>
+              <a:rPr lang="en-US" dirty="0" smtClean="0">
+                <a:solidFill>
+                  <a:schemeClr val="tx1">
+                    <a:lumMod val="85000"/>
+                    <a:lumOff val="15000"/>
+                  </a:schemeClr>
+                </a:solidFill>
+                <a:latin typeface="Palatino Linotype" pitchFamily="18" charset="0"/>
+              </a:rPr>
+              <a:t>Here in </a:t>
+            </a:r>
+            <a:r>
+              <a:rPr lang="en-US" b="1" dirty="0" smtClean="0">
+                <a:solidFill>
+                  <a:schemeClr val="tx1">
+                    <a:lumMod val="85000"/>
+                    <a:lumOff val="15000"/>
+                  </a:schemeClr>
+                </a:solidFill>
+                <a:latin typeface="Palatino Linotype" pitchFamily="18" charset="0"/>
+              </a:rPr>
+              <a:t>student</a:t>
+            </a:r>
+            <a:r>
+              <a:rPr lang="en-US" dirty="0" smtClean="0">
+                <a:solidFill>
+                  <a:schemeClr val="tx1">
+                    <a:lumMod val="85000"/>
+                    <a:lumOff val="15000"/>
+                  </a:schemeClr>
+                </a:solidFill>
+                <a:latin typeface="Palatino Linotype" pitchFamily="18" charset="0"/>
+              </a:rPr>
+              <a:t> table ID, pan_card, </a:t>
+            </a:r>
+            <a:r>
+              <a:rPr lang="en-US" dirty="0" smtClean="0">
+                <a:latin typeface="Palatino Linotype" pitchFamily="18" charset="0"/>
+              </a:rPr>
+              <a:t>&amp; emailID </a:t>
+            </a:r>
+            <a:r>
+              <a:rPr lang="en-US" dirty="0" smtClean="0">
+                <a:solidFill>
+                  <a:schemeClr val="tx1">
+                    <a:lumMod val="85000"/>
+                    <a:lumOff val="15000"/>
+                  </a:schemeClr>
+                </a:solidFill>
+                <a:latin typeface="Palatino Linotype" pitchFamily="18" charset="0"/>
+              </a:rPr>
+              <a:t>are Candidate keys.</a:t>
+            </a:r>
+            <a:endParaRPr lang="en-US" dirty="0" smtClean="0">
+              <a:latin typeface="Palatino Linotype" pitchFamily="18" charset="0"/>
+            </a:endParaRPr>
+          </a:p>
+          <a:p>
+            <a:pPr marL="342900" indent="-342900"/>
+            <a:endParaRPr lang="en-US" dirty="0" smtClean="0">
+              <a:solidFill>
+                <a:schemeClr val="tx1">
+                  <a:lumMod val="85000"/>
+                  <a:lumOff val="15000"/>
+                </a:schemeClr>
+              </a:solidFill>
+              <a:latin typeface="Palatino Linotype" pitchFamily="18" charset="0"/>
+            </a:endParaRPr>
+          </a:p>
+          <a:p>
+            <a:pPr marL="342900" indent="-342900">
+              <a:buFont typeface="Arial" pitchFamily="34" charset="0"/>
+              <a:buChar char="•"/>
+            </a:pPr>
+            <a:r>
+              <a:rPr lang="en-US" b="1" dirty="0" smtClean="0">
+                <a:solidFill>
+                  <a:schemeClr val="tx1">
+                    <a:lumMod val="85000"/>
+                    <a:lumOff val="15000"/>
+                  </a:schemeClr>
+                </a:solidFill>
+                <a:latin typeface="Palatino Linotype" pitchFamily="18" charset="0"/>
+              </a:rPr>
+              <a:t>Primary Key</a:t>
+            </a:r>
+            <a:r>
+              <a:rPr lang="en-US" dirty="0" smtClean="0">
+                <a:solidFill>
+                  <a:schemeClr val="tx1">
+                    <a:lumMod val="85000"/>
+                    <a:lumOff val="15000"/>
+                  </a:schemeClr>
+                </a:solidFill>
+                <a:latin typeface="Palatino Linotype" pitchFamily="18" charset="0"/>
+              </a:rPr>
+              <a:t>: </a:t>
+            </a:r>
+            <a:r>
+              <a:rPr lang="en-US" dirty="0" smtClean="0">
+                <a:latin typeface="Palatino Linotype" pitchFamily="18" charset="0"/>
+              </a:rPr>
+              <a:t>Primary Key is a set of attributes (or attribute) which uniquely identify the tuples in relation or table. </a:t>
+            </a:r>
+            <a:r>
+              <a:rPr lang="en-US" u="sng" dirty="0" smtClean="0">
+                <a:latin typeface="Palatino Linotype" pitchFamily="18" charset="0"/>
+              </a:rPr>
+              <a:t>There is one and only one primary key in any relationship.</a:t>
+            </a:r>
+            <a:r>
+              <a:rPr lang="en-US" u="sng" dirty="0" smtClean="0">
+                <a:solidFill>
+                  <a:schemeClr val="tx1">
+                    <a:lumMod val="85000"/>
+                    <a:lumOff val="15000"/>
+                  </a:schemeClr>
+                </a:solidFill>
+                <a:latin typeface="Palatino Linotype" pitchFamily="18" charset="0"/>
+              </a:rPr>
+              <a:t> </a:t>
+            </a:r>
+          </a:p>
+          <a:p>
+            <a:pPr marL="342900" indent="17463"/>
+            <a:r>
+              <a:rPr lang="en-US" dirty="0" smtClean="0">
+                <a:solidFill>
+                  <a:schemeClr val="tx1">
+                    <a:lumMod val="85000"/>
+                    <a:lumOff val="15000"/>
+                  </a:schemeClr>
+                </a:solidFill>
+                <a:latin typeface="Palatino Linotype" pitchFamily="18" charset="0"/>
+              </a:rPr>
+              <a:t>Here in </a:t>
+            </a:r>
+            <a:r>
+              <a:rPr lang="en-US" b="1" dirty="0" smtClean="0">
+                <a:solidFill>
+                  <a:schemeClr val="tx1">
+                    <a:lumMod val="85000"/>
+                    <a:lumOff val="15000"/>
+                  </a:schemeClr>
+                </a:solidFill>
+                <a:latin typeface="Palatino Linotype" pitchFamily="18" charset="0"/>
+              </a:rPr>
+              <a:t>student</a:t>
+            </a:r>
+            <a:r>
+              <a:rPr lang="en-US" dirty="0" smtClean="0">
+                <a:solidFill>
+                  <a:schemeClr val="tx1">
+                    <a:lumMod val="85000"/>
+                    <a:lumOff val="15000"/>
+                  </a:schemeClr>
+                </a:solidFill>
+                <a:latin typeface="Palatino Linotype" pitchFamily="18" charset="0"/>
+              </a:rPr>
+              <a:t> table </a:t>
+            </a:r>
+            <a:r>
+              <a:rPr lang="en-US" dirty="0" smtClean="0">
+                <a:solidFill>
+                  <a:schemeClr val="tx1">
+                    <a:lumMod val="85000"/>
+                    <a:lumOff val="15000"/>
+                  </a:schemeClr>
+                </a:solidFill>
+                <a:latin typeface="Palatino Linotype" pitchFamily="18" charset="0"/>
+              </a:rPr>
+              <a:t>you can choose either </a:t>
+            </a:r>
+            <a:r>
+              <a:rPr lang="en-US" dirty="0" smtClean="0">
+                <a:solidFill>
+                  <a:schemeClr val="tx1">
+                    <a:lumMod val="85000"/>
+                    <a:lumOff val="15000"/>
+                  </a:schemeClr>
+                </a:solidFill>
+                <a:latin typeface="Palatino Linotype" pitchFamily="18" charset="0"/>
+              </a:rPr>
+              <a:t>ID, pan_card, or </a:t>
+            </a:r>
+            <a:r>
+              <a:rPr lang="en-US" dirty="0" smtClean="0">
+                <a:latin typeface="Palatino Linotype" pitchFamily="18" charset="0"/>
+              </a:rPr>
+              <a:t>emailID columns as primary key column, ID is preferable </a:t>
+            </a:r>
+            <a:r>
+              <a:rPr lang="en-US" dirty="0" smtClean="0">
+                <a:latin typeface="Palatino Linotype" pitchFamily="18" charset="0"/>
+              </a:rPr>
+              <a:t>choice</a:t>
+            </a:r>
+            <a:r>
+              <a:rPr lang="en-US" dirty="0" smtClean="0">
+                <a:solidFill>
+                  <a:schemeClr val="tx1">
+                    <a:lumMod val="85000"/>
+                    <a:lumOff val="15000"/>
+                  </a:schemeClr>
+                </a:solidFill>
+                <a:latin typeface="Palatino Linotype" pitchFamily="18" charset="0"/>
+              </a:rPr>
+              <a:t>.</a:t>
+            </a:r>
+            <a:endParaRPr lang="en-US" dirty="0" smtClean="0">
+              <a:solidFill>
+                <a:schemeClr val="tx1">
+                  <a:lumMod val="85000"/>
+                  <a:lumOff val="15000"/>
+                </a:schemeClr>
+              </a:solidFill>
+              <a:latin typeface="Palatino Linotype" pitchFamily="18" charset="0"/>
+            </a:endParaRPr>
+          </a:p>
+        </p:txBody>
+      </p:sp>
+      <p:sp>
+        <p:nvSpPr>
+          <p:cNvPr id="7" name="Rectangle 6"/>
+          <p:cNvSpPr/>
+          <p:nvPr/>
+        </p:nvSpPr>
+        <p:spPr>
+          <a:xfrm>
+            <a:off x="550590" y="980728"/>
+            <a:ext cx="9361040" cy="461665"/>
+          </a:xfrm>
+          <a:prstGeom prst="rect">
+            <a:avLst/>
+          </a:prstGeom>
+        </p:spPr>
+        <p:txBody>
+          <a:bodyPr wrap="square">
+            <a:spAutoFit/>
+          </a:bodyPr>
+          <a:lstStyle/>
+          <a:p>
+            <a:r>
+              <a:rPr lang="en-US" sz="2300" dirty="0" smtClean="0">
+                <a:solidFill>
+                  <a:schemeClr val="bg2">
+                    <a:lumMod val="25000"/>
+                  </a:schemeClr>
+                </a:solidFill>
+                <a:latin typeface="Gentium Basic"/>
+              </a:rPr>
+              <a:t>student </a:t>
+            </a:r>
+            <a:r>
+              <a:rPr lang="en-US" sz="2300" dirty="0" smtClean="0">
+                <a:solidFill>
+                  <a:schemeClr val="bg2">
+                    <a:lumMod val="25000"/>
+                  </a:schemeClr>
+                </a:solidFill>
+                <a:latin typeface="Gentium Basic"/>
+              </a:rPr>
+              <a:t>{ ID, firstName, lastName, DoB, </a:t>
+            </a:r>
+            <a:r>
+              <a:rPr lang="en-US" sz="2300" dirty="0" smtClean="0">
+                <a:solidFill>
+                  <a:schemeClr val="bg2">
+                    <a:lumMod val="25000"/>
+                  </a:schemeClr>
+                </a:solidFill>
+                <a:latin typeface="Gentium Basic"/>
+              </a:rPr>
+              <a:t>city, emailID, pan_card  </a:t>
+            </a:r>
+            <a:r>
+              <a:rPr lang="en-US" sz="2300" dirty="0" smtClean="0">
+                <a:solidFill>
+                  <a:schemeClr val="bg2">
+                    <a:lumMod val="25000"/>
+                  </a:schemeClr>
+                </a:solidFill>
+                <a:latin typeface="Gentium Basic"/>
+              </a:rPr>
+              <a:t>}</a:t>
+            </a:r>
+            <a:endParaRPr lang="en-US" sz="2300" dirty="0">
+              <a:solidFill>
+                <a:schemeClr val="bg2">
+                  <a:lumMod val="25000"/>
+                </a:schemeClr>
+              </a:solidFill>
+              <a:latin typeface="Gentium Basic"/>
+            </a:endParaRPr>
+          </a:p>
+        </p:txBody>
+      </p:sp>
+      <p:pic>
+        <p:nvPicPr>
+          <p:cNvPr id="8" name="Picture 7">
+            <a:extLst>
+              <a:ext uri="{FF2B5EF4-FFF2-40B4-BE49-F238E27FC236}">
+                <a16:creationId xmlns:a16="http://schemas.microsoft.com/office/drawing/2014/main" xmlns="" id="{CA300AF8-3A8B-41EE-96B3-AEAC198AD8CA}"/>
+              </a:ext>
+            </a:extLst>
+          </p:cNvPr>
+          <p:cNvPicPr>
+            <a:picLocks noChangeAspect="1"/>
+          </p:cNvPicPr>
+          <p:nvPr/>
+        </p:nvPicPr>
+        <p:blipFill>
+          <a:blip r:embed="rId2" cstate="print">
+            <a:extLst>
+              <a:ext uri="{28A0092B-C50C-407E-A947-70E740481C1C}">
+                <a14:useLocalDpi xmlns:a14="http://schemas.microsoft.com/office/drawing/2010/main" xmlns="" val="0"/>
+              </a:ext>
+            </a:extLst>
+          </a:blip>
+          <a:stretch>
+            <a:fillRect/>
+          </a:stretch>
+        </p:blipFill>
+        <p:spPr>
+          <a:xfrm>
+            <a:off x="118542" y="116632"/>
+            <a:ext cx="1371859" cy="445150"/>
+          </a:xfrm>
+          <a:prstGeom prst="rect">
+            <a:avLst/>
+          </a:prstGeom>
+        </p:spPr>
+      </p:pic>
+      <p:sp>
+        <p:nvSpPr>
+          <p:cNvPr id="9" name="Footer Placeholder 2">
+            <a:extLst>
+              <a:ext uri="{FF2B5EF4-FFF2-40B4-BE49-F238E27FC236}">
+                <a16:creationId xmlns:a16="http://schemas.microsoft.com/office/drawing/2014/main" xmlns="" id="{49968677-CC8A-4C35-AABA-97CFF73A1AB5}"/>
+              </a:ext>
+            </a:extLst>
+          </p:cNvPr>
+          <p:cNvSpPr txBox="1">
+            <a:spLocks/>
+          </p:cNvSpPr>
+          <p:nvPr/>
+        </p:nvSpPr>
+        <p:spPr>
+          <a:xfrm>
+            <a:off x="3237431" y="6523037"/>
+            <a:ext cx="5400600" cy="365125"/>
+          </a:xfrm>
+          <a:prstGeom prst="rect">
+            <a:avLst/>
+          </a:prstGeom>
+        </p:spPr>
+        <p:txBody>
+          <a:bodyPr/>
+          <a:lstStyle>
+            <a:defPPr>
+              <a:defRPr lang="en-US"/>
+            </a:defPPr>
+            <a:lvl1pPr marL="0" algn="l" defTabSz="914400" rtl="0" eaLnBrk="1" latinLnBrk="0" hangingPunct="1">
+              <a:defRPr sz="1050" kern="1200">
+                <a:solidFill>
+                  <a:schemeClr val="tx1"/>
+                </a:solidFill>
+                <a:latin typeface="+mn-lt"/>
+                <a:ea typeface="+mn-ea"/>
+                <a:cs typeface="+mn-cs"/>
+              </a:defRPr>
+            </a:lvl1pPr>
+            <a:lvl2pPr marL="457200" algn="l" defTabSz="914400" rtl="0" eaLnBrk="1" latinLnBrk="0" hangingPunct="1">
+              <a:defRPr sz="1800" kern="1200">
+                <a:solidFill>
+                  <a:schemeClr val="tx1"/>
+                </a:solidFill>
+                <a:latin typeface="+mn-lt"/>
+                <a:ea typeface="+mn-ea"/>
+                <a:cs typeface="+mn-cs"/>
+              </a:defRPr>
+            </a:lvl2pPr>
+            <a:lvl3pPr marL="914400" algn="l" defTabSz="914400" rtl="0" eaLnBrk="1" latinLnBrk="0" hangingPunct="1">
+              <a:defRPr sz="1800" kern="1200">
+                <a:solidFill>
+                  <a:schemeClr val="tx1"/>
+                </a:solidFill>
+                <a:latin typeface="+mn-lt"/>
+                <a:ea typeface="+mn-ea"/>
+                <a:cs typeface="+mn-cs"/>
+              </a:defRPr>
+            </a:lvl3pPr>
+            <a:lvl4pPr marL="1371600" algn="l" defTabSz="914400" rtl="0" eaLnBrk="1" latinLnBrk="0" hangingPunct="1">
+              <a:defRPr sz="1800" kern="1200">
+                <a:solidFill>
+                  <a:schemeClr val="tx1"/>
+                </a:solidFill>
+                <a:latin typeface="+mn-lt"/>
+                <a:ea typeface="+mn-ea"/>
+                <a:cs typeface="+mn-cs"/>
+              </a:defRPr>
+            </a:lvl4pPr>
+            <a:lvl5pPr marL="1828800" algn="l" defTabSz="914400" rtl="0" eaLnBrk="1" latinLnBrk="0" hangingPunct="1">
+              <a:defRPr sz="1800" kern="1200">
+                <a:solidFill>
+                  <a:schemeClr val="tx1"/>
+                </a:solidFill>
+                <a:latin typeface="+mn-lt"/>
+                <a:ea typeface="+mn-ea"/>
+                <a:cs typeface="+mn-cs"/>
+              </a:defRPr>
+            </a:lvl5pPr>
+            <a:lvl6pPr marL="2286000" algn="l" defTabSz="914400" rtl="0" eaLnBrk="1" latinLnBrk="0" hangingPunct="1">
+              <a:defRPr sz="1800" kern="1200">
+                <a:solidFill>
+                  <a:schemeClr val="tx1"/>
+                </a:solidFill>
+                <a:latin typeface="+mn-lt"/>
+                <a:ea typeface="+mn-ea"/>
+                <a:cs typeface="+mn-cs"/>
+              </a:defRPr>
+            </a:lvl6pPr>
+            <a:lvl7pPr marL="2743200" algn="l" defTabSz="914400" rtl="0" eaLnBrk="1" latinLnBrk="0" hangingPunct="1">
+              <a:defRPr sz="1800" kern="1200">
+                <a:solidFill>
+                  <a:schemeClr val="tx1"/>
+                </a:solidFill>
+                <a:latin typeface="+mn-lt"/>
+                <a:ea typeface="+mn-ea"/>
+                <a:cs typeface="+mn-cs"/>
+              </a:defRPr>
+            </a:lvl7pPr>
+            <a:lvl8pPr marL="3200400" algn="l" defTabSz="914400" rtl="0" eaLnBrk="1" latinLnBrk="0" hangingPunct="1">
+              <a:defRPr sz="1800" kern="1200">
+                <a:solidFill>
+                  <a:schemeClr val="tx1"/>
+                </a:solidFill>
+                <a:latin typeface="+mn-lt"/>
+                <a:ea typeface="+mn-ea"/>
+                <a:cs typeface="+mn-cs"/>
+              </a:defRPr>
+            </a:lvl8pPr>
+            <a:lvl9pPr marL="3657600" algn="l" defTabSz="914400" rtl="0" eaLnBrk="1" latinLnBrk="0" hangingPunct="1">
+              <a:defRPr sz="1800" kern="1200">
+                <a:solidFill>
+                  <a:schemeClr val="tx1"/>
+                </a:solidFill>
+                <a:latin typeface="+mn-lt"/>
+                <a:ea typeface="+mn-ea"/>
+                <a:cs typeface="+mn-cs"/>
+              </a:defRPr>
+            </a:lvl9pPr>
+          </a:lstStyle>
+          <a:p>
+            <a:r>
+              <a:rPr lang="en-US" dirty="0"/>
+              <a:t>Infoway Technologies, 3rd  Floor Commerce Centre, Rambaug Colony, Paud Road Pune 411038</a:t>
+            </a:r>
+            <a:endParaRPr lang="en-IN" dirty="0"/>
+          </a:p>
+          <a:p>
+            <a:endParaRPr lang="en-US" dirty="0"/>
+          </a:p>
+        </p:txBody>
+      </p:sp>
+      <p:sp>
+        <p:nvSpPr>
           <p:cNvPr id="10" name="Rectangle 9">
             <a:extLst>
               <a:ext uri="{FF2B5EF4-FFF2-40B4-BE49-F238E27FC236}">
@@ -5048,6 +6555,639 @@
           </a:p>
         </p:txBody>
       </p:sp>
+      <p:graphicFrame>
+        <p:nvGraphicFramePr>
+          <p:cNvPr id="12" name="Table 11"/>
+          <p:cNvGraphicFramePr>
+            <a:graphicFrameLocks noGrp="1"/>
+          </p:cNvGraphicFramePr>
+          <p:nvPr/>
+        </p:nvGraphicFramePr>
+        <p:xfrm>
+          <a:off x="622598" y="1729616"/>
+          <a:ext cx="11017223" cy="1483360"/>
+        </p:xfrm>
+        <a:graphic>
+          <a:graphicData uri="http://schemas.openxmlformats.org/drawingml/2006/table">
+            <a:tbl>
+              <a:tblPr firstRow="1" bandRow="1">
+                <a:tableStyleId>{5940675A-B579-460E-94D1-54222C63F5DA}</a:tableStyleId>
+              </a:tblPr>
+              <a:tblGrid>
+                <a:gridCol w="1573889"/>
+                <a:gridCol w="1573889"/>
+                <a:gridCol w="1573889"/>
+                <a:gridCol w="1399013"/>
+                <a:gridCol w="1008112"/>
+                <a:gridCol w="2314542"/>
+                <a:gridCol w="1573889"/>
+              </a:tblGrid>
+              <a:tr h="370840">
+                <a:tc>
+                  <a:txBody>
+                    <a:bodyPr/>
+                    <a:lstStyle/>
+                    <a:p>
+                      <a:pPr algn="ctr"/>
+                      <a:r>
+                        <a:rPr lang="en-US" b="1" dirty="0" smtClean="0">
+                          <a:latin typeface="Palatino Linotype" pitchFamily="18" charset="0"/>
+                        </a:rPr>
+                        <a:t>ID</a:t>
+                      </a:r>
+                      <a:endParaRPr lang="en-US" b="1" dirty="0">
+                        <a:latin typeface="Palatino Linotype" pitchFamily="18" charset="0"/>
+                      </a:endParaRPr>
+                    </a:p>
+                  </a:txBody>
+                  <a:tcPr anchor="ctr">
+                    <a:solidFill>
+                      <a:schemeClr val="accent6">
+                        <a:lumMod val="20000"/>
+                        <a:lumOff val="80000"/>
+                      </a:schemeClr>
+                    </a:solidFill>
+                  </a:tcPr>
+                </a:tc>
+                <a:tc>
+                  <a:txBody>
+                    <a:bodyPr/>
+                    <a:lstStyle/>
+                    <a:p>
+                      <a:pPr algn="ctr"/>
+                      <a:r>
+                        <a:rPr lang="en-US" sz="1800" b="1" dirty="0" smtClean="0">
+                          <a:latin typeface="Palatino Linotype" pitchFamily="18" charset="0"/>
+                        </a:rPr>
+                        <a:t>firstName</a:t>
+                      </a:r>
+                      <a:endParaRPr lang="en-US" b="1" dirty="0">
+                        <a:latin typeface="Palatino Linotype" pitchFamily="18" charset="0"/>
+                      </a:endParaRPr>
+                    </a:p>
+                  </a:txBody>
+                  <a:tcPr anchor="ctr">
+                    <a:solidFill>
+                      <a:schemeClr val="accent6">
+                        <a:lumMod val="20000"/>
+                        <a:lumOff val="80000"/>
+                      </a:schemeClr>
+                    </a:solidFill>
+                  </a:tcPr>
+                </a:tc>
+                <a:tc>
+                  <a:txBody>
+                    <a:bodyPr/>
+                    <a:lstStyle/>
+                    <a:p>
+                      <a:pPr algn="ctr"/>
+                      <a:r>
+                        <a:rPr lang="en-US" sz="1800" b="1" dirty="0" smtClean="0">
+                          <a:latin typeface="Palatino Linotype" pitchFamily="18" charset="0"/>
+                        </a:rPr>
+                        <a:t>lastName</a:t>
+                      </a:r>
+                      <a:endParaRPr lang="en-US" b="1" dirty="0">
+                        <a:latin typeface="Palatino Linotype" pitchFamily="18" charset="0"/>
+                      </a:endParaRPr>
+                    </a:p>
+                  </a:txBody>
+                  <a:tcPr anchor="ctr">
+                    <a:solidFill>
+                      <a:schemeClr val="accent6">
+                        <a:lumMod val="20000"/>
+                        <a:lumOff val="80000"/>
+                      </a:schemeClr>
+                    </a:solidFill>
+                  </a:tcPr>
+                </a:tc>
+                <a:tc>
+                  <a:txBody>
+                    <a:bodyPr/>
+                    <a:lstStyle/>
+                    <a:p>
+                      <a:pPr algn="ctr"/>
+                      <a:r>
+                        <a:rPr lang="en-US" sz="1800" b="1" dirty="0" smtClean="0">
+                          <a:latin typeface="Palatino Linotype" pitchFamily="18" charset="0"/>
+                        </a:rPr>
+                        <a:t>DoB</a:t>
+                      </a:r>
+                      <a:endParaRPr lang="en-US" b="1" dirty="0">
+                        <a:latin typeface="Palatino Linotype" pitchFamily="18" charset="0"/>
+                      </a:endParaRPr>
+                    </a:p>
+                  </a:txBody>
+                  <a:tcPr anchor="ctr">
+                    <a:solidFill>
+                      <a:schemeClr val="accent6">
+                        <a:lumMod val="20000"/>
+                        <a:lumOff val="80000"/>
+                      </a:schemeClr>
+                    </a:solidFill>
+                  </a:tcPr>
+                </a:tc>
+                <a:tc>
+                  <a:txBody>
+                    <a:bodyPr/>
+                    <a:lstStyle/>
+                    <a:p>
+                      <a:pPr algn="ctr"/>
+                      <a:r>
+                        <a:rPr lang="en-US" b="1" dirty="0" smtClean="0">
+                          <a:latin typeface="Palatino Linotype" pitchFamily="18" charset="0"/>
+                        </a:rPr>
+                        <a:t>city</a:t>
+                      </a:r>
+                      <a:endParaRPr lang="en-US" b="1" dirty="0">
+                        <a:latin typeface="Palatino Linotype" pitchFamily="18" charset="0"/>
+                      </a:endParaRPr>
+                    </a:p>
+                  </a:txBody>
+                  <a:tcPr anchor="ctr">
+                    <a:solidFill>
+                      <a:schemeClr val="accent6">
+                        <a:lumMod val="20000"/>
+                        <a:lumOff val="80000"/>
+                      </a:schemeClr>
+                    </a:solidFill>
+                  </a:tcPr>
+                </a:tc>
+                <a:tc>
+                  <a:txBody>
+                    <a:bodyPr/>
+                    <a:lstStyle/>
+                    <a:p>
+                      <a:pPr algn="ctr"/>
+                      <a:r>
+                        <a:rPr lang="en-US" b="1" dirty="0" smtClean="0">
+                          <a:latin typeface="Palatino Linotype" pitchFamily="18" charset="0"/>
+                        </a:rPr>
+                        <a:t>emailID</a:t>
+                      </a:r>
+                      <a:endParaRPr lang="en-US" b="1" dirty="0">
+                        <a:latin typeface="Palatino Linotype" pitchFamily="18" charset="0"/>
+                      </a:endParaRPr>
+                    </a:p>
+                  </a:txBody>
+                  <a:tcPr anchor="ctr">
+                    <a:solidFill>
+                      <a:schemeClr val="accent6">
+                        <a:lumMod val="20000"/>
+                        <a:lumOff val="80000"/>
+                      </a:schemeClr>
+                    </a:solidFill>
+                  </a:tcPr>
+                </a:tc>
+                <a:tc>
+                  <a:txBody>
+                    <a:bodyPr/>
+                    <a:lstStyle/>
+                    <a:p>
+                      <a:pPr algn="ctr"/>
+                      <a:r>
+                        <a:rPr lang="en-US" b="1" dirty="0" smtClean="0">
+                          <a:latin typeface="Palatino Linotype" pitchFamily="18" charset="0"/>
+                        </a:rPr>
+                        <a:t>pan_card</a:t>
+                      </a:r>
+                      <a:endParaRPr lang="en-US" b="1" dirty="0">
+                        <a:latin typeface="Palatino Linotype" pitchFamily="18" charset="0"/>
+                      </a:endParaRPr>
+                    </a:p>
+                  </a:txBody>
+                  <a:tcPr anchor="ctr">
+                    <a:solidFill>
+                      <a:schemeClr val="accent6">
+                        <a:lumMod val="20000"/>
+                        <a:lumOff val="80000"/>
+                      </a:schemeClr>
+                    </a:solidFill>
+                  </a:tcPr>
+                </a:tc>
+              </a:tr>
+              <a:tr h="370840">
+                <a:tc>
+                  <a:txBody>
+                    <a:bodyPr/>
+                    <a:lstStyle/>
+                    <a:p>
+                      <a:pPr algn="ctr"/>
+                      <a:r>
+                        <a:rPr lang="en-US" dirty="0" smtClean="0">
+                          <a:latin typeface="Palatino Linotype" pitchFamily="18" charset="0"/>
+                        </a:rPr>
+                        <a:t>1</a:t>
+                      </a:r>
+                      <a:endParaRPr lang="en-US" dirty="0">
+                        <a:latin typeface="Palatino Linotype" pitchFamily="18" charset="0"/>
+                      </a:endParaRPr>
+                    </a:p>
+                  </a:txBody>
+                  <a:tcPr anchor="ctr">
+                    <a:noFill/>
+                  </a:tcPr>
+                </a:tc>
+                <a:tc>
+                  <a:txBody>
+                    <a:bodyPr/>
+                    <a:lstStyle/>
+                    <a:p>
+                      <a:r>
+                        <a:rPr lang="en-US" dirty="0" smtClean="0">
+                          <a:latin typeface="Palatino Linotype" pitchFamily="18" charset="0"/>
+                        </a:rPr>
+                        <a:t>rajesh</a:t>
+                      </a:r>
+                      <a:endParaRPr lang="en-US" dirty="0">
+                        <a:latin typeface="Palatino Linotype" pitchFamily="18" charset="0"/>
+                      </a:endParaRPr>
+                    </a:p>
+                  </a:txBody>
+                  <a:tcPr anchor="ctr">
+                    <a:noFill/>
+                  </a:tcPr>
+                </a:tc>
+                <a:tc>
+                  <a:txBody>
+                    <a:bodyPr/>
+                    <a:lstStyle/>
+                    <a:p>
+                      <a:r>
+                        <a:rPr lang="en-US" dirty="0" smtClean="0">
+                          <a:latin typeface="Palatino Linotype" pitchFamily="18" charset="0"/>
+                        </a:rPr>
+                        <a:t>kumar</a:t>
+                      </a:r>
+                      <a:endParaRPr lang="en-US" dirty="0">
+                        <a:latin typeface="Palatino Linotype" pitchFamily="18" charset="0"/>
+                      </a:endParaRPr>
+                    </a:p>
+                  </a:txBody>
+                  <a:tcPr anchor="ctr">
+                    <a:noFill/>
+                  </a:tcPr>
+                </a:tc>
+                <a:tc>
+                  <a:txBody>
+                    <a:bodyPr/>
+                    <a:lstStyle/>
+                    <a:p>
+                      <a:pPr algn="ctr"/>
+                      <a:r>
+                        <a:rPr lang="en-US" dirty="0" smtClean="0">
+                          <a:latin typeface="Palatino Linotype" pitchFamily="18" charset="0"/>
+                        </a:rPr>
+                        <a:t>1999-03-20</a:t>
+                      </a:r>
+                      <a:endParaRPr lang="en-US" dirty="0">
+                        <a:latin typeface="Palatino Linotype" pitchFamily="18" charset="0"/>
+                      </a:endParaRPr>
+                    </a:p>
+                  </a:txBody>
+                  <a:tcPr anchor="ctr">
+                    <a:noFill/>
+                  </a:tcPr>
+                </a:tc>
+                <a:tc>
+                  <a:txBody>
+                    <a:bodyPr/>
+                    <a:lstStyle/>
+                    <a:p>
+                      <a:r>
+                        <a:rPr lang="en-US" dirty="0" smtClean="0">
+                          <a:latin typeface="Palatino Linotype" pitchFamily="18" charset="0"/>
+                        </a:rPr>
+                        <a:t>pune</a:t>
+                      </a:r>
+                      <a:endParaRPr lang="en-US" dirty="0">
+                        <a:latin typeface="Palatino Linotype" pitchFamily="18" charset="0"/>
+                      </a:endParaRPr>
+                    </a:p>
+                  </a:txBody>
+                  <a:tcPr anchor="ctr">
+                    <a:noFill/>
+                  </a:tcPr>
+                </a:tc>
+                <a:tc>
+                  <a:txBody>
+                    <a:bodyPr/>
+                    <a:lstStyle/>
+                    <a:p>
+                      <a:r>
+                        <a:rPr lang="en-US" dirty="0" smtClean="0">
+                          <a:latin typeface="Palatino Linotype" pitchFamily="18" charset="0"/>
+                        </a:rPr>
+                        <a:t>rajesh.k@gmail.com</a:t>
+                      </a:r>
+                      <a:endParaRPr lang="en-US" dirty="0">
+                        <a:latin typeface="Palatino Linotype" pitchFamily="18" charset="0"/>
+                      </a:endParaRPr>
+                    </a:p>
+                  </a:txBody>
+                  <a:tcPr anchor="ctr">
+                    <a:noFill/>
+                  </a:tcPr>
+                </a:tc>
+                <a:tc>
+                  <a:txBody>
+                    <a:bodyPr/>
+                    <a:lstStyle/>
+                    <a:p>
+                      <a:r>
+                        <a:rPr lang="en-US" dirty="0" smtClean="0">
+                          <a:latin typeface="Palatino Linotype" pitchFamily="18" charset="0"/>
+                        </a:rPr>
+                        <a:t>AXD012-30</a:t>
+                      </a:r>
+                      <a:endParaRPr lang="en-US" dirty="0">
+                        <a:latin typeface="Palatino Linotype" pitchFamily="18" charset="0"/>
+                      </a:endParaRPr>
+                    </a:p>
+                  </a:txBody>
+                  <a:tcPr anchor="ctr">
+                    <a:noFill/>
+                  </a:tcPr>
+                </a:tc>
+              </a:tr>
+              <a:tr h="370840">
+                <a:tc>
+                  <a:txBody>
+                    <a:bodyPr/>
+                    <a:lstStyle/>
+                    <a:p>
+                      <a:pPr algn="ctr"/>
+                      <a:r>
+                        <a:rPr lang="en-US" dirty="0" smtClean="0">
+                          <a:latin typeface="Palatino Linotype" pitchFamily="18" charset="0"/>
+                        </a:rPr>
+                        <a:t>2</a:t>
+                      </a:r>
+                      <a:endParaRPr lang="en-US" dirty="0">
+                        <a:latin typeface="Palatino Linotype" pitchFamily="18" charset="0"/>
+                      </a:endParaRPr>
+                    </a:p>
+                  </a:txBody>
+                  <a:tcPr anchor="ctr"/>
+                </a:tc>
+                <a:tc>
+                  <a:txBody>
+                    <a:bodyPr/>
+                    <a:lstStyle/>
+                    <a:p>
+                      <a:r>
+                        <a:rPr lang="en-US" dirty="0" smtClean="0">
+                          <a:latin typeface="Palatino Linotype" pitchFamily="18" charset="0"/>
+                        </a:rPr>
+                        <a:t>sunil</a:t>
+                      </a:r>
+                      <a:endParaRPr lang="en-US" dirty="0">
+                        <a:latin typeface="Palatino Linotype" pitchFamily="18" charset="0"/>
+                      </a:endParaRPr>
+                    </a:p>
+                  </a:txBody>
+                  <a:tcPr anchor="ctr"/>
+                </a:tc>
+                <a:tc>
+                  <a:txBody>
+                    <a:bodyPr/>
+                    <a:lstStyle/>
+                    <a:p>
+                      <a:r>
+                        <a:rPr lang="en-US" dirty="0" smtClean="0">
+                          <a:latin typeface="Palatino Linotype" pitchFamily="18" charset="0"/>
+                        </a:rPr>
+                        <a:t>kumar</a:t>
+                      </a:r>
+                      <a:endParaRPr lang="en-US" dirty="0">
+                        <a:latin typeface="Palatino Linotype" pitchFamily="18" charset="0"/>
+                      </a:endParaRPr>
+                    </a:p>
+                  </a:txBody>
+                  <a:tcPr anchor="ctr"/>
+                </a:tc>
+                <a:tc>
+                  <a:txBody>
+                    <a:bodyPr/>
+                    <a:lstStyle/>
+                    <a:p>
+                      <a:pPr algn="ctr"/>
+                      <a:r>
+                        <a:rPr lang="en-US" dirty="0" smtClean="0">
+                          <a:latin typeface="Palatino Linotype" pitchFamily="18" charset="0"/>
+                        </a:rPr>
+                        <a:t>2000-12-24</a:t>
+                      </a:r>
+                      <a:endParaRPr lang="en-US" dirty="0">
+                        <a:latin typeface="Palatino Linotype" pitchFamily="18" charset="0"/>
+                      </a:endParaRPr>
+                    </a:p>
+                  </a:txBody>
+                  <a:tcPr anchor="ctr"/>
+                </a:tc>
+                <a:tc>
+                  <a:txBody>
+                    <a:bodyPr/>
+                    <a:lstStyle/>
+                    <a:p>
+                      <a:r>
+                        <a:rPr lang="en-US" dirty="0" smtClean="0">
+                          <a:latin typeface="Palatino Linotype" pitchFamily="18" charset="0"/>
+                        </a:rPr>
+                        <a:t>baroda</a:t>
+                      </a:r>
+                      <a:endParaRPr lang="en-US" dirty="0">
+                        <a:latin typeface="Palatino Linotype" pitchFamily="18" charset="0"/>
+                      </a:endParaRPr>
+                    </a:p>
+                  </a:txBody>
+                  <a:tcPr anchor="ctr"/>
+                </a:tc>
+                <a:tc>
+                  <a:txBody>
+                    <a:bodyPr/>
+                    <a:lstStyle/>
+                    <a:p>
+                      <a:r>
+                        <a:rPr lang="en-US" dirty="0" smtClean="0">
+                          <a:latin typeface="Palatino Linotype" pitchFamily="18" charset="0"/>
+                        </a:rPr>
+                        <a:t>skumar@gmail.com</a:t>
+                      </a:r>
+                      <a:endParaRPr lang="en-US" dirty="0">
+                        <a:latin typeface="Palatino Linotype" pitchFamily="18" charset="0"/>
+                      </a:endParaRPr>
+                    </a:p>
+                  </a:txBody>
+                  <a:tcPr anchor="ctr"/>
+                </a:tc>
+                <a:tc>
+                  <a:txBody>
+                    <a:bodyPr/>
+                    <a:lstStyle/>
+                    <a:p>
+                      <a:r>
+                        <a:rPr lang="en-US" dirty="0" smtClean="0">
+                          <a:latin typeface="Palatino Linotype" pitchFamily="18" charset="0"/>
+                        </a:rPr>
+                        <a:t>XXAHFF201</a:t>
+                      </a:r>
+                      <a:endParaRPr lang="en-US" dirty="0">
+                        <a:latin typeface="Palatino Linotype" pitchFamily="18" charset="0"/>
+                      </a:endParaRPr>
+                    </a:p>
+                  </a:txBody>
+                  <a:tcPr anchor="ctr"/>
+                </a:tc>
+              </a:tr>
+              <a:tr h="370840">
+                <a:tc>
+                  <a:txBody>
+                    <a:bodyPr/>
+                    <a:lstStyle/>
+                    <a:p>
+                      <a:pPr algn="ctr"/>
+                      <a:r>
+                        <a:rPr lang="en-US" dirty="0" smtClean="0">
+                          <a:latin typeface="Palatino Linotype" pitchFamily="18" charset="0"/>
+                        </a:rPr>
+                        <a:t>3</a:t>
+                      </a:r>
+                      <a:endParaRPr lang="en-US" dirty="0">
+                        <a:latin typeface="Palatino Linotype" pitchFamily="18" charset="0"/>
+                      </a:endParaRPr>
+                    </a:p>
+                  </a:txBody>
+                  <a:tcPr anchor="ctr">
+                    <a:noFill/>
+                  </a:tcPr>
+                </a:tc>
+                <a:tc>
+                  <a:txBody>
+                    <a:bodyPr/>
+                    <a:lstStyle/>
+                    <a:p>
+                      <a:r>
+                        <a:rPr lang="en-US" dirty="0" smtClean="0">
+                          <a:latin typeface="Palatino Linotype" pitchFamily="18" charset="0"/>
+                        </a:rPr>
+                        <a:t>rajesh</a:t>
+                      </a:r>
+                      <a:endParaRPr lang="en-US" dirty="0">
+                        <a:latin typeface="Palatino Linotype" pitchFamily="18" charset="0"/>
+                      </a:endParaRPr>
+                    </a:p>
+                  </a:txBody>
+                  <a:tcPr anchor="ctr">
+                    <a:noFill/>
+                  </a:tcPr>
+                </a:tc>
+                <a:tc>
+                  <a:txBody>
+                    <a:bodyPr/>
+                    <a:lstStyle/>
+                    <a:p>
+                      <a:r>
+                        <a:rPr lang="en-US" dirty="0" smtClean="0">
+                          <a:latin typeface="Palatino Linotype" pitchFamily="18" charset="0"/>
+                        </a:rPr>
+                        <a:t>kumar</a:t>
+                      </a:r>
+                      <a:endParaRPr lang="en-US" dirty="0">
+                        <a:latin typeface="Palatino Linotype" pitchFamily="18" charset="0"/>
+                      </a:endParaRPr>
+                    </a:p>
+                  </a:txBody>
+                  <a:tcPr anchor="ctr">
+                    <a:noFill/>
+                  </a:tcPr>
+                </a:tc>
+                <a:tc>
+                  <a:txBody>
+                    <a:bodyPr/>
+                    <a:lstStyle/>
+                    <a:p>
+                      <a:pPr algn="ctr"/>
+                      <a:r>
+                        <a:rPr lang="en-US" dirty="0" smtClean="0">
+                          <a:latin typeface="Palatino Linotype" pitchFamily="18" charset="0"/>
+                        </a:rPr>
+                        <a:t>1999-03-20</a:t>
+                      </a:r>
+                      <a:endParaRPr lang="en-US" dirty="0">
+                        <a:latin typeface="Palatino Linotype" pitchFamily="18" charset="0"/>
+                      </a:endParaRPr>
+                    </a:p>
+                  </a:txBody>
+                  <a:tcPr anchor="ctr">
+                    <a:noFill/>
+                  </a:tcPr>
+                </a:tc>
+                <a:tc>
+                  <a:txBody>
+                    <a:bodyPr/>
+                    <a:lstStyle/>
+                    <a:p>
+                      <a:r>
+                        <a:rPr lang="en-US" dirty="0" smtClean="0">
+                          <a:latin typeface="Palatino Linotype" pitchFamily="18" charset="0"/>
+                        </a:rPr>
+                        <a:t>pune</a:t>
+                      </a:r>
+                      <a:endParaRPr lang="en-US" dirty="0">
+                        <a:latin typeface="Palatino Linotype" pitchFamily="18" charset="0"/>
+                      </a:endParaRPr>
+                    </a:p>
+                  </a:txBody>
+                  <a:tcPr anchor="ctr">
+                    <a:noFill/>
+                  </a:tcPr>
+                </a:tc>
+                <a:tc>
+                  <a:txBody>
+                    <a:bodyPr/>
+                    <a:lstStyle/>
+                    <a:p>
+                      <a:r>
+                        <a:rPr lang="en-US" dirty="0" smtClean="0">
+                          <a:latin typeface="Palatino Linotype" pitchFamily="18" charset="0"/>
+                        </a:rPr>
+                        <a:t>kumr.raj@gmail.com</a:t>
+                      </a:r>
+                      <a:endParaRPr lang="en-US" dirty="0">
+                        <a:latin typeface="Palatino Linotype" pitchFamily="18" charset="0"/>
+                      </a:endParaRPr>
+                    </a:p>
+                  </a:txBody>
+                  <a:tcPr anchor="ctr">
+                    <a:noFill/>
+                  </a:tcPr>
+                </a:tc>
+                <a:tc>
+                  <a:txBody>
+                    <a:bodyPr/>
+                    <a:lstStyle/>
+                    <a:p>
+                      <a:r>
+                        <a:rPr lang="en-US" dirty="0" smtClean="0">
+                          <a:latin typeface="Palatino Linotype" pitchFamily="18" charset="0"/>
+                        </a:rPr>
+                        <a:t>RDGH-78IO</a:t>
+                      </a:r>
+                      <a:endParaRPr lang="en-US" dirty="0">
+                        <a:latin typeface="Palatino Linotype" pitchFamily="18" charset="0"/>
+                      </a:endParaRPr>
+                    </a:p>
+                  </a:txBody>
+                  <a:tcPr anchor="ctr">
+                    <a:noFill/>
+                  </a:tcPr>
+                </a:tc>
+              </a:tr>
+            </a:tbl>
+          </a:graphicData>
+        </a:graphic>
+      </p:graphicFrame>
     </p:spTree>
     <p:extLst>
       <p:ext uri="{BB962C8B-B14F-4D97-AF65-F5344CB8AC3E}">
@@ -5069,7 +7209,7 @@
 </p:sld>
 </file>
 
-<file path=ppt/slides/slide3.xml><?xml version="1.0" encoding="utf-8"?>
+<file path=ppt/slides/slide4.xml><?xml version="1.0" encoding="utf-8"?>
 <p:sld xmlns:a="http://schemas.openxmlformats.org/drawingml/2006/main" xmlns:r="http://schemas.openxmlformats.org/officeDocument/2006/relationships" xmlns:p="http://schemas.openxmlformats.org/presentationml/2006/main">
   <p:cSld>
     <p:spTree>

--- a/Video Ver1/Video PPT/7. Candidate and Primary key.pptx
+++ b/Video Ver1/Video PPT/7. Candidate and Primary key.pptx
@@ -112,7 +112,7 @@
   </p:defaultTextStyle>
   <p:extLst>
     <p:ext uri="{521415D9-36F7-43E2-AB2F-B90AF26B5E84}">
-      <p14:sectionLst xmlns:p14="http://schemas.microsoft.com/office/powerpoint/2010/main" xmlns="">
+      <p14:sectionLst xmlns="" xmlns:p14="http://schemas.microsoft.com/office/powerpoint/2010/main">
         <p14:section name="Introduction" id="{A3D14946-8297-4856-B082-4FEFA482017C}">
           <p14:sldIdLst>
             <p14:sldId id="282"/>
@@ -753,7 +753,7 @@
       </p14:sectionLst>
     </p:ext>
     <p:ext uri="{EFAFB233-063F-42B5-8137-9DF3F51BA10A}">
-      <p15:sldGuideLst xmlns:p15="http://schemas.microsoft.com/office/powerpoint/2012/main" xmlns="">
+      <p15:sldGuideLst xmlns="" xmlns:p15="http://schemas.microsoft.com/office/powerpoint/2012/main">
         <p15:guide id="1" orient="horz" pos="2160">
           <p15:clr>
             <a:srgbClr val="A4A3A4"/>
@@ -775,7 +775,7 @@
   <p:cmAuthor id="1" name="Saleel" initials="S" lastIdx="1" clrIdx="0">
     <p:extLst>
       <p:ext uri="{19B8F6BF-5375-455C-9EA6-DF929625EA0E}">
-        <p15:presenceInfo xmlns:p15="http://schemas.microsoft.com/office/powerpoint/2012/main" xmlns="" userId="Saleel" providerId="None"/>
+        <p15:presenceInfo xmlns="" xmlns:p15="http://schemas.microsoft.com/office/powerpoint/2012/main" userId="Saleel" providerId="None"/>
       </p:ext>
     </p:extLst>
   </p:cmAuthor>
@@ -4135,7 +4135,7 @@
           <p:cNvPr id="8" name="Picture 7">
             <a:extLst>
               <a:ext uri="{FF2B5EF4-FFF2-40B4-BE49-F238E27FC236}">
-                <a16:creationId xmlns:a16="http://schemas.microsoft.com/office/drawing/2014/main" xmlns="" id="{FF24E983-0C73-4002-AA14-199E8763DD65}"/>
+                <a16:creationId xmlns="" xmlns:a16="http://schemas.microsoft.com/office/drawing/2014/main" id="{FF24E983-0C73-4002-AA14-199E8763DD65}"/>
               </a:ext>
             </a:extLst>
           </p:cNvPr>
@@ -4148,7 +4148,7 @@
           <a:blip r:embed="rId2" cstate="print">
             <a:extLst>
               <a:ext uri="{28A0092B-C50C-407E-A947-70E740481C1C}">
-                <a14:useLocalDpi xmlns:a14="http://schemas.microsoft.com/office/drawing/2010/main" xmlns="" val="0"/>
+                <a14:useLocalDpi xmlns="" xmlns:a14="http://schemas.microsoft.com/office/drawing/2010/main" val="0"/>
               </a:ext>
             </a:extLst>
           </a:blip>
@@ -4171,7 +4171,7 @@
           <p:cNvPr id="7" name="Footer Placeholder 2">
             <a:extLst>
               <a:ext uri="{FF2B5EF4-FFF2-40B4-BE49-F238E27FC236}">
-                <a16:creationId xmlns:a16="http://schemas.microsoft.com/office/drawing/2014/main" xmlns="" id="{E14F7621-66C5-47D6-A8C7-2B6C3CD2205A}"/>
+                <a16:creationId xmlns="" xmlns:a16="http://schemas.microsoft.com/office/drawing/2014/main" id="{E14F7621-66C5-47D6-A8C7-2B6C3CD2205A}"/>
               </a:ext>
             </a:extLst>
           </p:cNvPr>
@@ -4825,7 +4825,7 @@
     </p:spTree>
     <p:extLst>
       <p:ext uri="{BB962C8B-B14F-4D97-AF65-F5344CB8AC3E}">
-        <p14:creationId xmlns:p14="http://schemas.microsoft.com/office/powerpoint/2010/main" xmlns="" val="2547664928"/>
+        <p14:creationId xmlns="" xmlns:p14="http://schemas.microsoft.com/office/powerpoint/2010/main" val="2547664928"/>
       </p:ext>
     </p:extLst>
   </p:cSld>
@@ -4864,7 +4864,7 @@
           <p:cNvPr id="8" name="Picture 7">
             <a:extLst>
               <a:ext uri="{FF2B5EF4-FFF2-40B4-BE49-F238E27FC236}">
-                <a16:creationId xmlns:a16="http://schemas.microsoft.com/office/drawing/2014/main" xmlns="" id="{FF24E983-0C73-4002-AA14-199E8763DD65}"/>
+                <a16:creationId xmlns="" xmlns:a16="http://schemas.microsoft.com/office/drawing/2014/main" id="{FF24E983-0C73-4002-AA14-199E8763DD65}"/>
               </a:ext>
             </a:extLst>
           </p:cNvPr>
@@ -4877,7 +4877,7 @@
           <a:blip r:embed="rId2" cstate="print">
             <a:extLst>
               <a:ext uri="{28A0092B-C50C-407E-A947-70E740481C1C}">
-                <a14:useLocalDpi xmlns:a14="http://schemas.microsoft.com/office/drawing/2010/main" xmlns="" val="0"/>
+                <a14:useLocalDpi xmlns="" xmlns:a14="http://schemas.microsoft.com/office/drawing/2010/main" val="0"/>
               </a:ext>
             </a:extLst>
           </a:blip>
@@ -4900,7 +4900,7 @@
           <p:cNvPr id="7" name="Footer Placeholder 2">
             <a:extLst>
               <a:ext uri="{FF2B5EF4-FFF2-40B4-BE49-F238E27FC236}">
-                <a16:creationId xmlns:a16="http://schemas.microsoft.com/office/drawing/2014/main" xmlns="" id="{E14F7621-66C5-47D6-A8C7-2B6C3CD2205A}"/>
+                <a16:creationId xmlns="" xmlns:a16="http://schemas.microsoft.com/office/drawing/2014/main" id="{E14F7621-66C5-47D6-A8C7-2B6C3CD2205A}"/>
               </a:ext>
             </a:extLst>
           </p:cNvPr>
@@ -5093,21 +5093,7 @@
                 <a:latin typeface="Segoe UI Light" panose="020B0502040204020203" pitchFamily="34" charset="0"/>
                 <a:cs typeface="Segoe UI Light" panose="020B0502040204020203" pitchFamily="34" charset="0"/>
               </a:rPr>
-              <a:t>Candidate </a:t>
-            </a:r>
-            <a:r>
-              <a:rPr lang="en-US" sz="4800" dirty="0" smtClean="0">
-                <a:latin typeface="Segoe UI Light" panose="020B0502040204020203" pitchFamily="34" charset="0"/>
-                <a:cs typeface="Segoe UI Light" panose="020B0502040204020203" pitchFamily="34" charset="0"/>
-              </a:rPr>
-              <a:t>key and </a:t>
-            </a:r>
-            <a:r>
-              <a:rPr lang="en-US" sz="4800" dirty="0" smtClean="0">
-                <a:latin typeface="Segoe UI Light" panose="020B0502040204020203" pitchFamily="34" charset="0"/>
-                <a:cs typeface="Segoe UI Light" panose="020B0502040204020203" pitchFamily="34" charset="0"/>
-              </a:rPr>
-              <a:t>Primary key</a:t>
+              <a:t>Candidate key and Primary key</a:t>
             </a:r>
             <a:endParaRPr lang="en-IN" sz="4800" dirty="0">
               <a:latin typeface="Segoe UI Light" panose="020B0502040204020203" pitchFamily="34" charset="0"/>
@@ -5844,7 +5830,7 @@
     </p:spTree>
     <p:extLst>
       <p:ext uri="{BB962C8B-B14F-4D97-AF65-F5344CB8AC3E}">
-        <p14:creationId xmlns:p14="http://schemas.microsoft.com/office/powerpoint/2010/main" xmlns="" val="2547664928"/>
+        <p14:creationId xmlns="" xmlns:p14="http://schemas.microsoft.com/office/powerpoint/2010/main" val="2547664928"/>
       </p:ext>
     </p:extLst>
   </p:cSld>
@@ -5953,7 +5939,7 @@
         <p:spPr>
           <a:xfrm>
             <a:off x="406574" y="3640956"/>
-            <a:ext cx="11305256" cy="2308324"/>
+            <a:ext cx="11305256" cy="2539157"/>
           </a:xfrm>
           <a:prstGeom prst="rect">
             <a:avLst/>
@@ -6048,13 +6034,76 @@
                 </a:solidFill>
                 <a:latin typeface="Palatino Linotype" pitchFamily="18" charset="0"/>
               </a:rPr>
-              <a:t> table ID, pan_card, </a:t>
+              <a:t> table </a:t>
+            </a:r>
+            <a:r>
+              <a:rPr lang="en-US" sz="2300" dirty="0" smtClean="0">
+                <a:solidFill>
+                  <a:schemeClr val="bg2">
+                    <a:lumMod val="25000"/>
+                  </a:schemeClr>
+                </a:solidFill>
+                <a:latin typeface="Gentium Basic"/>
+              </a:rPr>
+              <a:t>ID</a:t>
+            </a:r>
+            <a:r>
+              <a:rPr lang="en-US" dirty="0" smtClean="0">
+                <a:solidFill>
+                  <a:schemeClr val="tx1">
+                    <a:lumMod val="85000"/>
+                    <a:lumOff val="15000"/>
+                  </a:schemeClr>
+                </a:solidFill>
+                <a:latin typeface="Palatino Linotype" pitchFamily="18" charset="0"/>
+              </a:rPr>
+              <a:t>, </a:t>
+            </a:r>
+            <a:r>
+              <a:rPr lang="en-US" sz="2300" dirty="0" smtClean="0">
+                <a:solidFill>
+                  <a:schemeClr val="bg2">
+                    <a:lumMod val="25000"/>
+                  </a:schemeClr>
+                </a:solidFill>
+                <a:latin typeface="Gentium Basic"/>
+              </a:rPr>
+              <a:t>pan_card</a:t>
+            </a:r>
+            <a:r>
+              <a:rPr lang="en-US" dirty="0" smtClean="0">
+                <a:solidFill>
+                  <a:schemeClr val="tx1">
+                    <a:lumMod val="85000"/>
+                    <a:lumOff val="15000"/>
+                  </a:schemeClr>
+                </a:solidFill>
+                <a:latin typeface="Palatino Linotype" pitchFamily="18" charset="0"/>
+              </a:rPr>
+              <a:t>, </a:t>
             </a:r>
             <a:r>
               <a:rPr lang="en-US" dirty="0" smtClean="0">
                 <a:latin typeface="Palatino Linotype" pitchFamily="18" charset="0"/>
               </a:rPr>
-              <a:t>&amp; emailID </a:t>
+              <a:t>&amp; </a:t>
+            </a:r>
+            <a:r>
+              <a:rPr lang="en-US" sz="2300" dirty="0" smtClean="0">
+                <a:solidFill>
+                  <a:schemeClr val="bg2">
+                    <a:lumMod val="25000"/>
+                  </a:schemeClr>
+                </a:solidFill>
+                <a:latin typeface="Gentium Basic"/>
+              </a:rPr>
+              <a:t>emailID</a:t>
+            </a:r>
+            <a:r>
+              <a:rPr lang="en-US" dirty="0" smtClean="0">
+                <a:latin typeface="Palatino Linotype" pitchFamily="18" charset="0"/>
+              </a:rPr>
+              <a:t> </a:t>
             </a:r>
             <a:r>
               <a:rPr lang="en-US" dirty="0" smtClean="0">
@@ -6174,7 +6223,18 @@
                 </a:solidFill>
                 <a:latin typeface="Palatino Linotype" pitchFamily="18" charset="0"/>
               </a:rPr>
-              <a:t> table </a:t>
+              <a:t> table you can choose either </a:t>
+            </a:r>
+            <a:r>
+              <a:rPr lang="en-US" sz="2300" dirty="0" smtClean="0">
+                <a:solidFill>
+                  <a:schemeClr val="bg2">
+                    <a:lumMod val="25000"/>
+                  </a:schemeClr>
+                </a:solidFill>
+                <a:latin typeface="Gentium Basic"/>
+              </a:rPr>
+              <a:t>ID</a:t>
             </a:r>
             <a:r>
               <a:rPr lang="en-US" dirty="0" smtClean="0">
@@ -6186,7 +6246,18 @@
                 </a:solidFill>
                 <a:latin typeface="Palatino Linotype" pitchFamily="18" charset="0"/>
               </a:rPr>
-              <a:t>you can choose either </a:t>
+              <a:t>, </a:t>
+            </a:r>
+            <a:r>
+              <a:rPr lang="en-US" sz="2300" dirty="0" smtClean="0">
+                <a:solidFill>
+                  <a:schemeClr val="bg2">
+                    <a:lumMod val="25000"/>
+                  </a:schemeClr>
+                </a:solidFill>
+                <a:latin typeface="Gentium Basic"/>
+              </a:rPr>
+              <a:t>pan_card</a:t>
             </a:r>
             <a:r>
               <a:rPr lang="en-US" dirty="0" smtClean="0">
@@ -6198,19 +6269,41 @@
                 </a:solidFill>
                 <a:latin typeface="Palatino Linotype" pitchFamily="18" charset="0"/>
               </a:rPr>
-              <a:t>ID, pan_card, or </a:t>
+              <a:t>, or </a:t>
+            </a:r>
+            <a:r>
+              <a:rPr lang="en-US" sz="2300" dirty="0" smtClean="0">
+                <a:solidFill>
+                  <a:schemeClr val="bg2">
+                    <a:lumMod val="25000"/>
+                  </a:schemeClr>
+                </a:solidFill>
+                <a:latin typeface="Gentium Basic"/>
+              </a:rPr>
+              <a:t>emailID</a:t>
             </a:r>
             <a:r>
               <a:rPr lang="en-US" dirty="0" smtClean="0">
                 <a:latin typeface="Palatino Linotype" pitchFamily="18" charset="0"/>
               </a:rPr>
-              <a:t>emailID columns as primary key column, ID is preferable </a:t>
+              <a:t> columns as primary key column, </a:t>
+            </a:r>
+            <a:r>
+              <a:rPr lang="en-US" sz="2300" dirty="0" smtClean="0">
+                <a:solidFill>
+                  <a:schemeClr val="bg2">
+                    <a:lumMod val="25000"/>
+                  </a:schemeClr>
+                </a:solidFill>
+                <a:latin typeface="Gentium Basic"/>
+              </a:rPr>
+              <a:t>ID</a:t>
             </a:r>
             <a:r>
               <a:rPr lang="en-US" dirty="0" smtClean="0">
                 <a:latin typeface="Palatino Linotype" pitchFamily="18" charset="0"/>
               </a:rPr>
-              <a:t>choice</a:t>
+              <a:t> is preferable choice</a:t>
             </a:r>
             <a:r>
               <a:rPr lang="en-US" dirty="0" smtClean="0">
@@ -6224,15 +6317,6 @@
               </a:rPr>
               <a:t>.</a:t>
             </a:r>
-            <a:endParaRPr lang="en-US" dirty="0" smtClean="0">
-              <a:solidFill>
-                <a:schemeClr val="tx1">
-                  <a:lumMod val="85000"/>
-                  <a:lumOff val="15000"/>
-                </a:schemeClr>
-              </a:solidFill>
-              <a:latin typeface="Palatino Linotype" pitchFamily="18" charset="0"/>
-            </a:endParaRPr>
           </a:p>
         </p:txBody>
       </p:sp>
@@ -6266,40 +6350,7 @@
                 </a:solidFill>
                 <a:latin typeface="Gentium Basic"/>
               </a:rPr>
-              <a:t>student </a:t>
-            </a:r>
-            <a:r>
-              <a:rPr lang="en-US" sz="2300" dirty="0" smtClean="0">
-                <a:solidFill>
-                  <a:schemeClr val="bg2">
-                    <a:lumMod val="25000"/>
-                  </a:schemeClr>
-                </a:solidFill>
-                <a:latin typeface="Gentium Basic"/>
-              </a:rPr>
-              <a:t>{ ID, firstName, lastName, DoB, </a:t>
-            </a:r>
-            <a:r>
-              <a:rPr lang="en-US" sz="2300" dirty="0" smtClean="0">
-                <a:solidFill>
-                  <a:schemeClr val="bg2">
-                    <a:lumMod val="25000"/>
-                  </a:schemeClr>
-                </a:solidFill>
-                <a:latin typeface="Gentium Basic"/>
-              </a:rPr>
-              <a:t>city, emailID, pan_card  </a:t>
-            </a:r>
-            <a:r>
-              <a:rPr lang="en-US" sz="2300" dirty="0" smtClean="0">
-                <a:solidFill>
-                  <a:schemeClr val="bg2">
-                    <a:lumMod val="25000"/>
-                  </a:schemeClr>
-                </a:solidFill>
-                <a:latin typeface="Gentium Basic"/>
-              </a:rPr>
-              <a:t>}</a:t>
+              <a:t>student { ID, firstName, lastName, DoB, city, emailID, pan_card  }</a:t>
             </a:r>
             <a:endParaRPr lang="en-US" sz="2300" dirty="0">
               <a:solidFill>
@@ -6317,7 +6368,7 @@
           <p:cNvPr id="8" name="Picture 7">
             <a:extLst>
               <a:ext uri="{FF2B5EF4-FFF2-40B4-BE49-F238E27FC236}">
-                <a16:creationId xmlns:a16="http://schemas.microsoft.com/office/drawing/2014/main" xmlns="" id="{CA300AF8-3A8B-41EE-96B3-AEAC198AD8CA}"/>
+                <a16:creationId xmlns="" xmlns:a16="http://schemas.microsoft.com/office/drawing/2014/main" id="{CA300AF8-3A8B-41EE-96B3-AEAC198AD8CA}"/>
               </a:ext>
             </a:extLst>
           </p:cNvPr>
@@ -6330,7 +6381,7 @@
           <a:blip r:embed="rId2" cstate="print">
             <a:extLst>
               <a:ext uri="{28A0092B-C50C-407E-A947-70E740481C1C}">
-                <a14:useLocalDpi xmlns:a14="http://schemas.microsoft.com/office/drawing/2010/main" xmlns="" val="0"/>
+                <a14:useLocalDpi xmlns="" xmlns:a14="http://schemas.microsoft.com/office/drawing/2010/main" val="0"/>
               </a:ext>
             </a:extLst>
           </a:blip>
@@ -6353,7 +6404,7 @@
           <p:cNvPr id="9" name="Footer Placeholder 2">
             <a:extLst>
               <a:ext uri="{FF2B5EF4-FFF2-40B4-BE49-F238E27FC236}">
-                <a16:creationId xmlns:a16="http://schemas.microsoft.com/office/drawing/2014/main" xmlns="" id="{49968677-CC8A-4C35-AABA-97CFF73A1AB5}"/>
+                <a16:creationId xmlns="" xmlns:a16="http://schemas.microsoft.com/office/drawing/2014/main" id="{49968677-CC8A-4C35-AABA-97CFF73A1AB5}"/>
               </a:ext>
             </a:extLst>
           </p:cNvPr>
@@ -6485,7 +6536,7 @@
           <p:cNvPr id="10" name="Rectangle 9">
             <a:extLst>
               <a:ext uri="{FF2B5EF4-FFF2-40B4-BE49-F238E27FC236}">
-                <a16:creationId xmlns:a16="http://schemas.microsoft.com/office/drawing/2014/main" xmlns="" id="{09A4DD51-F450-4FA7-BA18-C2A26D10D72C}"/>
+                <a16:creationId xmlns="" xmlns:a16="http://schemas.microsoft.com/office/drawing/2014/main" id="{09A4DD51-F450-4FA7-BA18-C2A26D10D72C}"/>
               </a:ext>
             </a:extLst>
           </p:cNvPr>
@@ -7191,7 +7242,7 @@
     </p:spTree>
     <p:extLst>
       <p:ext uri="{BB962C8B-B14F-4D97-AF65-F5344CB8AC3E}">
-        <p14:creationId xmlns:p14="http://schemas.microsoft.com/office/powerpoint/2010/main" xmlns="" val="2850906017"/>
+        <p14:creationId xmlns="" xmlns:p14="http://schemas.microsoft.com/office/powerpoint/2010/main" val="2850906017"/>
       </p:ext>
     </p:extLst>
   </p:cSld>
@@ -7297,7 +7348,7 @@
           <p:cNvPr id="8" name="Picture 7">
             <a:extLst>
               <a:ext uri="{FF2B5EF4-FFF2-40B4-BE49-F238E27FC236}">
-                <a16:creationId xmlns:a16="http://schemas.microsoft.com/office/drawing/2014/main" xmlns="" id="{CA300AF8-3A8B-41EE-96B3-AEAC198AD8CA}"/>
+                <a16:creationId xmlns="" xmlns:a16="http://schemas.microsoft.com/office/drawing/2014/main" id="{CA300AF8-3A8B-41EE-96B3-AEAC198AD8CA}"/>
               </a:ext>
             </a:extLst>
           </p:cNvPr>
@@ -7310,7 +7361,7 @@
           <a:blip r:embed="rId2" cstate="print">
             <a:extLst>
               <a:ext uri="{28A0092B-C50C-407E-A947-70E740481C1C}">
-                <a14:useLocalDpi xmlns:a14="http://schemas.microsoft.com/office/drawing/2010/main" xmlns="" val="0"/>
+                <a14:useLocalDpi xmlns="" xmlns:a14="http://schemas.microsoft.com/office/drawing/2010/main" val="0"/>
               </a:ext>
             </a:extLst>
           </a:blip>
@@ -7333,7 +7384,7 @@
           <p:cNvPr id="9" name="Footer Placeholder 2">
             <a:extLst>
               <a:ext uri="{FF2B5EF4-FFF2-40B4-BE49-F238E27FC236}">
-                <a16:creationId xmlns:a16="http://schemas.microsoft.com/office/drawing/2014/main" xmlns="" id="{49968677-CC8A-4C35-AABA-97CFF73A1AB5}"/>
+                <a16:creationId xmlns="" xmlns:a16="http://schemas.microsoft.com/office/drawing/2014/main" id="{49968677-CC8A-4C35-AABA-97CFF73A1AB5}"/>
               </a:ext>
             </a:extLst>
           </p:cNvPr>
@@ -7465,7 +7516,7 @@
           <p:cNvPr id="10" name="Rectangle 9">
             <a:extLst>
               <a:ext uri="{FF2B5EF4-FFF2-40B4-BE49-F238E27FC236}">
-                <a16:creationId xmlns:a16="http://schemas.microsoft.com/office/drawing/2014/main" xmlns="" id="{09A4DD51-F450-4FA7-BA18-C2A26D10D72C}"/>
+                <a16:creationId xmlns="" xmlns:a16="http://schemas.microsoft.com/office/drawing/2014/main" id="{09A4DD51-F450-4FA7-BA18-C2A26D10D72C}"/>
               </a:ext>
             </a:extLst>
           </p:cNvPr>
@@ -7874,7 +7925,7 @@
     </p:spTree>
     <p:extLst>
       <p:ext uri="{BB962C8B-B14F-4D97-AF65-F5344CB8AC3E}">
-        <p14:creationId xmlns:p14="http://schemas.microsoft.com/office/powerpoint/2010/main" xmlns="" val="2850906017"/>
+        <p14:creationId xmlns="" xmlns:p14="http://schemas.microsoft.com/office/powerpoint/2010/main" val="2850906017"/>
       </p:ext>
     </p:extLst>
   </p:cSld>
